--- a/Animation.pptx
+++ b/Animation.pptx
@@ -8,11 +8,12 @@
     <p:sldId id="256" r:id="rId2"/>
     <p:sldId id="257" r:id="rId3"/>
     <p:sldId id="258" r:id="rId4"/>
-    <p:sldId id="268" r:id="rId5"/>
-    <p:sldId id="269" r:id="rId6"/>
-    <p:sldId id="261" r:id="rId7"/>
-    <p:sldId id="264" r:id="rId8"/>
-    <p:sldId id="266" r:id="rId9"/>
+    <p:sldId id="267" r:id="rId5"/>
+    <p:sldId id="268" r:id="rId6"/>
+    <p:sldId id="260" r:id="rId7"/>
+    <p:sldId id="261" r:id="rId8"/>
+    <p:sldId id="264" r:id="rId9"/>
+    <p:sldId id="266" r:id="rId10"/>
   </p:sldIdLst>
   <p:sldSz cx="12192000" cy="6858000"/>
   <p:notesSz cx="6858000" cy="9144000"/>
@@ -122,35 +123,67 @@
 <file path=ppt/changesInfos/changesInfo1.xml><?xml version="1.0" encoding="utf-8"?>
 <pc:chgInfo xmlns:a="http://schemas.openxmlformats.org/drawingml/2006/main" xmlns:r="http://schemas.openxmlformats.org/officeDocument/2006/relationships" xmlns:ac="http://schemas.microsoft.com/office/drawing/2013/main/command" xmlns:pc="http://schemas.microsoft.com/office/powerpoint/2013/main/command">
   <pc:docChgLst>
-    <pc:chgData userId="a82bf2d862d389cf" providerId="LiveId" clId="{3D3E26D0-9530-49B6-80CD-AB52C340CBE3}"/>
-    <pc:docChg chg="undo custSel addSld delSld modSld sldOrd">
-      <pc:chgData name="" userId="a82bf2d862d389cf" providerId="LiveId" clId="{3D3E26D0-9530-49B6-80CD-AB52C340CBE3}" dt="2018-10-15T09:58:23.002" v="2603" actId="1076"/>
+    <pc:chgData name="Peter Harlan" userId="a82bf2d862d389cf" providerId="LiveId" clId="{35C92917-97AC-4D44-9F34-07120765A783}"/>
+    <pc:docChg chg="modSld">
+      <pc:chgData name="Peter Harlan" userId="a82bf2d862d389cf" providerId="LiveId" clId="{35C92917-97AC-4D44-9F34-07120765A783}" dt="2018-11-26T08:18:35.348" v="1" actId="20577"/>
       <pc:docMkLst>
         <pc:docMk/>
       </pc:docMkLst>
       <pc:sldChg chg="modSp">
-        <pc:chgData name="" userId="a82bf2d862d389cf" providerId="LiveId" clId="{3D3E26D0-9530-49B6-80CD-AB52C340CBE3}" dt="2018-10-15T07:45:25.839" v="9" actId="20577"/>
+        <pc:chgData name="Peter Harlan" userId="a82bf2d862d389cf" providerId="LiveId" clId="{35C92917-97AC-4D44-9F34-07120765A783}" dt="2018-11-26T08:18:35.348" v="1" actId="20577"/>
+        <pc:sldMkLst>
+          <pc:docMk/>
+          <pc:sldMk cId="242250864" sldId="266"/>
+        </pc:sldMkLst>
+        <pc:spChg chg="mod">
+          <ac:chgData name="Peter Harlan" userId="a82bf2d862d389cf" providerId="LiveId" clId="{35C92917-97AC-4D44-9F34-07120765A783}" dt="2018-11-26T08:18:35.348" v="1" actId="20577"/>
+          <ac:spMkLst>
+            <pc:docMk/>
+            <pc:sldMk cId="242250864" sldId="266"/>
+            <ac:spMk id="3" creationId="{00000000-0000-0000-0000-000000000000}"/>
+          </ac:spMkLst>
+        </pc:spChg>
+      </pc:sldChg>
+    </pc:docChg>
+  </pc:docChgLst>
+  <pc:docChgLst>
+    <pc:chgData name="Peter Harlan" userId="a82bf2d862d389cf" providerId="LiveId" clId="{355D77A7-22E5-44D9-8886-432C5873043D}"/>
+    <pc:docChg chg="undo custSel addSld delSld modSld">
+      <pc:chgData name="Peter Harlan" userId="a82bf2d862d389cf" providerId="LiveId" clId="{355D77A7-22E5-44D9-8886-432C5873043D}" dt="2018-11-26T08:17:44.589" v="1686" actId="20577"/>
+      <pc:docMkLst>
+        <pc:docMk/>
+      </pc:docMkLst>
+      <pc:sldChg chg="modSp">
+        <pc:chgData name="Peter Harlan" userId="a82bf2d862d389cf" providerId="LiveId" clId="{355D77A7-22E5-44D9-8886-432C5873043D}" dt="2018-11-26T07:48:28.468" v="35" actId="20577"/>
         <pc:sldMkLst>
           <pc:docMk/>
           <pc:sldMk cId="2450968135" sldId="256"/>
         </pc:sldMkLst>
         <pc:spChg chg="mod">
-          <ac:chgData name="" userId="a82bf2d862d389cf" providerId="LiveId" clId="{3D3E26D0-9530-49B6-80CD-AB52C340CBE3}" dt="2018-10-15T07:45:25.839" v="9" actId="20577"/>
+          <ac:chgData name="Peter Harlan" userId="a82bf2d862d389cf" providerId="LiveId" clId="{355D77A7-22E5-44D9-8886-432C5873043D}" dt="2018-11-26T07:47:55.436" v="11" actId="20577"/>
           <ac:spMkLst>
             <pc:docMk/>
             <pc:sldMk cId="2450968135" sldId="256"/>
             <ac:spMk id="2" creationId="{00000000-0000-0000-0000-000000000000}"/>
           </ac:spMkLst>
         </pc:spChg>
+        <pc:spChg chg="mod">
+          <ac:chgData name="Peter Harlan" userId="a82bf2d862d389cf" providerId="LiveId" clId="{355D77A7-22E5-44D9-8886-432C5873043D}" dt="2018-11-26T07:48:28.468" v="35" actId="20577"/>
+          <ac:spMkLst>
+            <pc:docMk/>
+            <pc:sldMk cId="2450968135" sldId="256"/>
+            <ac:spMk id="3" creationId="{00000000-0000-0000-0000-000000000000}"/>
+          </ac:spMkLst>
+        </pc:spChg>
       </pc:sldChg>
       <pc:sldChg chg="modSp">
-        <pc:chgData name="" userId="a82bf2d862d389cf" providerId="LiveId" clId="{3D3E26D0-9530-49B6-80CD-AB52C340CBE3}" dt="2018-10-15T08:31:01.518" v="1911" actId="20577"/>
+        <pc:chgData name="Peter Harlan" userId="a82bf2d862d389cf" providerId="LiveId" clId="{355D77A7-22E5-44D9-8886-432C5873043D}" dt="2018-11-26T08:06:12.776" v="1065" actId="20577"/>
         <pc:sldMkLst>
           <pc:docMk/>
           <pc:sldMk cId="1870346245" sldId="257"/>
         </pc:sldMkLst>
         <pc:spChg chg="mod">
-          <ac:chgData name="" userId="a82bf2d862d389cf" providerId="LiveId" clId="{3D3E26D0-9530-49B6-80CD-AB52C340CBE3}" dt="2018-10-15T08:31:01.518" v="1911" actId="20577"/>
+          <ac:chgData name="Peter Harlan" userId="a82bf2d862d389cf" providerId="LiveId" clId="{355D77A7-22E5-44D9-8886-432C5873043D}" dt="2018-11-26T08:06:12.776" v="1065" actId="20577"/>
           <ac:spMkLst>
             <pc:docMk/>
             <pc:sldMk cId="1870346245" sldId="257"/>
@@ -158,85 +191,36 @@
           </ac:spMkLst>
         </pc:spChg>
       </pc:sldChg>
-      <pc:sldChg chg="addSp modSp">
-        <pc:chgData name="" userId="a82bf2d862d389cf" providerId="LiveId" clId="{3D3E26D0-9530-49B6-80CD-AB52C340CBE3}" dt="2018-10-15T07:55:38.674" v="294" actId="20577"/>
+      <pc:sldChg chg="del">
+        <pc:chgData name="Peter Harlan" userId="a82bf2d862d389cf" providerId="LiveId" clId="{355D77A7-22E5-44D9-8886-432C5873043D}" dt="2018-11-26T07:55:40.642" v="628" actId="2696"/>
         <pc:sldMkLst>
           <pc:docMk/>
-          <pc:sldMk cId="2843271766" sldId="258"/>
+          <pc:sldMk cId="216668191" sldId="259"/>
+        </pc:sldMkLst>
+      </pc:sldChg>
+      <pc:sldChg chg="modSp">
+        <pc:chgData name="Peter Harlan" userId="a82bf2d862d389cf" providerId="LiveId" clId="{355D77A7-22E5-44D9-8886-432C5873043D}" dt="2018-11-26T08:17:44.589" v="1686" actId="20577"/>
+        <pc:sldMkLst>
+          <pc:docMk/>
+          <pc:sldMk cId="3542075758" sldId="260"/>
         </pc:sldMkLst>
         <pc:spChg chg="mod">
-          <ac:chgData name="" userId="a82bf2d862d389cf" providerId="LiveId" clId="{3D3E26D0-9530-49B6-80CD-AB52C340CBE3}" dt="2018-10-15T07:55:38.674" v="294" actId="20577"/>
+          <ac:chgData name="Peter Harlan" userId="a82bf2d862d389cf" providerId="LiveId" clId="{355D77A7-22E5-44D9-8886-432C5873043D}" dt="2018-11-26T08:17:44.589" v="1686" actId="20577"/>
           <ac:spMkLst>
             <pc:docMk/>
-            <pc:sldMk cId="2843271766" sldId="258"/>
+            <pc:sldMk cId="3542075758" sldId="260"/>
             <ac:spMk id="3" creationId="{00000000-0000-0000-0000-000000000000}"/>
           </ac:spMkLst>
         </pc:spChg>
-        <pc:picChg chg="mod modCrop">
-          <ac:chgData name="" userId="a82bf2d862d389cf" providerId="LiveId" clId="{3D3E26D0-9530-49B6-80CD-AB52C340CBE3}" dt="2018-10-15T07:55:17.123" v="259" actId="1076"/>
-          <ac:picMkLst>
-            <pc:docMk/>
-            <pc:sldMk cId="2843271766" sldId="258"/>
-            <ac:picMk id="4" creationId="{00000000-0000-0000-0000-000000000000}"/>
-          </ac:picMkLst>
-        </pc:picChg>
-        <pc:picChg chg="mod">
-          <ac:chgData name="" userId="a82bf2d862d389cf" providerId="LiveId" clId="{3D3E26D0-9530-49B6-80CD-AB52C340CBE3}" dt="2018-10-15T07:49:51.790" v="75" actId="1076"/>
-          <ac:picMkLst>
-            <pc:docMk/>
-            <pc:sldMk cId="2843271766" sldId="258"/>
-            <ac:picMk id="5" creationId="{00000000-0000-0000-0000-000000000000}"/>
-          </ac:picMkLst>
-        </pc:picChg>
-        <pc:picChg chg="mod">
-          <ac:chgData name="" userId="a82bf2d862d389cf" providerId="LiveId" clId="{3D3E26D0-9530-49B6-80CD-AB52C340CBE3}" dt="2018-10-15T07:55:14.958" v="258" actId="1076"/>
-          <ac:picMkLst>
-            <pc:docMk/>
-            <pc:sldMk cId="2843271766" sldId="258"/>
-            <ac:picMk id="6" creationId="{00000000-0000-0000-0000-000000000000}"/>
-          </ac:picMkLst>
-        </pc:picChg>
-        <pc:picChg chg="add mod">
-          <ac:chgData name="" userId="a82bf2d862d389cf" providerId="LiveId" clId="{3D3E26D0-9530-49B6-80CD-AB52C340CBE3}" dt="2018-10-15T07:54:01.692" v="143" actId="1076"/>
-          <ac:picMkLst>
-            <pc:docMk/>
-            <pc:sldMk cId="2843271766" sldId="258"/>
-            <ac:picMk id="8" creationId="{F308A9B5-21DB-4906-92E9-44DAE9FAC067}"/>
-          </ac:picMkLst>
-        </pc:picChg>
-        <pc:picChg chg="add mod">
-          <ac:chgData name="" userId="a82bf2d862d389cf" providerId="LiveId" clId="{3D3E26D0-9530-49B6-80CD-AB52C340CBE3}" dt="2018-10-15T07:53:48.085" v="138" actId="1076"/>
-          <ac:picMkLst>
-            <pc:docMk/>
-            <pc:sldMk cId="2843271766" sldId="258"/>
-            <ac:picMk id="10" creationId="{7B7F1360-BE0D-4802-8032-EF5E3B15D51B}"/>
-          </ac:picMkLst>
-        </pc:picChg>
-        <pc:picChg chg="add mod">
-          <ac:chgData name="" userId="a82bf2d862d389cf" providerId="LiveId" clId="{3D3E26D0-9530-49B6-80CD-AB52C340CBE3}" dt="2018-10-15T07:54:02.853" v="144" actId="1076"/>
-          <ac:picMkLst>
-            <pc:docMk/>
-            <pc:sldMk cId="2843271766" sldId="258"/>
-            <ac:picMk id="12" creationId="{CA79DEBE-EE84-4ACF-BA1F-5C3799DB8EF3}"/>
-          </ac:picMkLst>
-        </pc:picChg>
-        <pc:picChg chg="add mod">
-          <ac:chgData name="" userId="a82bf2d862d389cf" providerId="LiveId" clId="{3D3E26D0-9530-49B6-80CD-AB52C340CBE3}" dt="2018-10-15T07:54:17.855" v="148" actId="1076"/>
-          <ac:picMkLst>
-            <pc:docMk/>
-            <pc:sldMk cId="2843271766" sldId="258"/>
-            <ac:picMk id="14" creationId="{98EA73D2-35AA-4267-911F-1664A17A1724}"/>
-          </ac:picMkLst>
-        </pc:picChg>
       </pc:sldChg>
       <pc:sldChg chg="addSp delSp modSp mod setBg">
-        <pc:chgData name="" userId="a82bf2d862d389cf" providerId="LiveId" clId="{3D3E26D0-9530-49B6-80CD-AB52C340CBE3}" dt="2018-10-15T08:47:23.082" v="2585" actId="27636"/>
+        <pc:chgData name="Peter Harlan" userId="a82bf2d862d389cf" providerId="LiveId" clId="{355D77A7-22E5-44D9-8886-432C5873043D}" dt="2018-11-26T08:17:25.204" v="1679" actId="403"/>
         <pc:sldMkLst>
           <pc:docMk/>
           <pc:sldMk cId="2529872606" sldId="261"/>
         </pc:sldMkLst>
         <pc:spChg chg="mod">
-          <ac:chgData name="" userId="a82bf2d862d389cf" providerId="LiveId" clId="{3D3E26D0-9530-49B6-80CD-AB52C340CBE3}" dt="2018-10-15T08:47:07.428" v="2574" actId="26606"/>
+          <ac:chgData name="Peter Harlan" userId="a82bf2d862d389cf" providerId="LiveId" clId="{355D77A7-22E5-44D9-8886-432C5873043D}" dt="2018-11-26T08:17:25.204" v="1679" actId="403"/>
           <ac:spMkLst>
             <pc:docMk/>
             <pc:sldMk cId="2529872606" sldId="261"/>
@@ -244,102 +228,62 @@
           </ac:spMkLst>
         </pc:spChg>
         <pc:spChg chg="mod ord">
-          <ac:chgData name="" userId="a82bf2d862d389cf" providerId="LiveId" clId="{3D3E26D0-9530-49B6-80CD-AB52C340CBE3}" dt="2018-10-15T08:47:23.082" v="2585" actId="27636"/>
+          <ac:chgData name="Peter Harlan" userId="a82bf2d862d389cf" providerId="LiveId" clId="{355D77A7-22E5-44D9-8886-432C5873043D}" dt="2018-11-26T08:17:19.229" v="1677" actId="27636"/>
           <ac:spMkLst>
             <pc:docMk/>
             <pc:sldMk cId="2529872606" sldId="261"/>
             <ac:spMk id="3" creationId="{00000000-0000-0000-0000-000000000000}"/>
           </ac:spMkLst>
         </pc:spChg>
-        <pc:spChg chg="add del mod">
-          <ac:chgData name="" userId="a82bf2d862d389cf" providerId="LiveId" clId="{3D3E26D0-9530-49B6-80CD-AB52C340CBE3}" dt="2018-10-15T08:40:45.940" v="2487" actId="478"/>
+        <pc:spChg chg="add">
+          <ac:chgData name="Peter Harlan" userId="a82bf2d862d389cf" providerId="LiveId" clId="{355D77A7-22E5-44D9-8886-432C5873043D}" dt="2018-11-26T08:17:12.333" v="1669" actId="26606"/>
           <ac:spMkLst>
             <pc:docMk/>
             <pc:sldMk cId="2529872606" sldId="261"/>
-            <ac:spMk id="5" creationId="{5B930E8D-ABD0-407C-A284-A97471D09548}"/>
+            <ac:spMk id="11" creationId="{F3AF35CD-DA30-4E34-B0F3-32C27766DA05}"/>
           </ac:spMkLst>
         </pc:spChg>
-        <pc:spChg chg="add mod">
-          <ac:chgData name="" userId="a82bf2d862d389cf" providerId="LiveId" clId="{3D3E26D0-9530-49B6-80CD-AB52C340CBE3}" dt="2018-10-15T08:41:01.443" v="2491" actId="164"/>
-          <ac:spMkLst>
-            <pc:docMk/>
-            <pc:sldMk cId="2529872606" sldId="261"/>
-            <ac:spMk id="8" creationId="{7D65288F-E208-4DB5-AB81-1BCBA238B64D}"/>
-          </ac:spMkLst>
-        </pc:spChg>
-        <pc:spChg chg="add">
-          <ac:chgData name="" userId="a82bf2d862d389cf" providerId="LiveId" clId="{3D3E26D0-9530-49B6-80CD-AB52C340CBE3}" dt="2018-10-15T08:47:07.428" v="2574" actId="26606"/>
-          <ac:spMkLst>
-            <pc:docMk/>
-            <pc:sldMk cId="2529872606" sldId="261"/>
-            <ac:spMk id="18" creationId="{F3AF35CD-DA30-4E34-B0F3-32C27766DA05}"/>
-          </ac:spMkLst>
-        </pc:spChg>
-        <pc:grpChg chg="add del mod">
-          <ac:chgData name="" userId="a82bf2d862d389cf" providerId="LiveId" clId="{3D3E26D0-9530-49B6-80CD-AB52C340CBE3}" dt="2018-10-15T08:44:03.946" v="2547" actId="478"/>
+        <pc:grpChg chg="add">
+          <ac:chgData name="Peter Harlan" userId="a82bf2d862d389cf" providerId="LiveId" clId="{355D77A7-22E5-44D9-8886-432C5873043D}" dt="2018-11-26T08:17:12.333" v="1669" actId="26606"/>
           <ac:grpSpMkLst>
             <pc:docMk/>
             <pc:sldMk cId="2529872606" sldId="261"/>
-            <ac:grpSpMk id="9" creationId="{B5F5E854-C1AB-472E-BC09-53051F747445}"/>
+            <ac:grpSpMk id="13" creationId="{BCFC42DC-2C46-47C4-BC61-530557385DBD}"/>
           </ac:grpSpMkLst>
         </pc:grpChg>
-        <pc:grpChg chg="add">
-          <ac:chgData name="" userId="a82bf2d862d389cf" providerId="LiveId" clId="{3D3E26D0-9530-49B6-80CD-AB52C340CBE3}" dt="2018-10-15T08:47:07.428" v="2574" actId="26606"/>
-          <ac:grpSpMkLst>
-            <pc:docMk/>
-            <pc:sldMk cId="2529872606" sldId="261"/>
-            <ac:grpSpMk id="20" creationId="{BCFC42DC-2C46-47C4-BC61-530557385DBD}"/>
-          </ac:grpSpMkLst>
-        </pc:grpChg>
-        <pc:picChg chg="del mod">
-          <ac:chgData name="" userId="a82bf2d862d389cf" providerId="LiveId" clId="{3D3E26D0-9530-49B6-80CD-AB52C340CBE3}" dt="2018-10-15T08:39:41.501" v="2469" actId="478"/>
+        <pc:picChg chg="del">
+          <ac:chgData name="Peter Harlan" userId="a82bf2d862d389cf" providerId="LiveId" clId="{355D77A7-22E5-44D9-8886-432C5873043D}" dt="2018-11-26T08:16:44.782" v="1664" actId="478"/>
           <ac:picMkLst>
             <pc:docMk/>
             <pc:sldMk cId="2529872606" sldId="261"/>
             <ac:picMk id="4" creationId="{00000000-0000-0000-0000-000000000000}"/>
           </ac:picMkLst>
         </pc:picChg>
-        <pc:picChg chg="add mod ord">
-          <ac:chgData name="" userId="a82bf2d862d389cf" providerId="LiveId" clId="{3D3E26D0-9530-49B6-80CD-AB52C340CBE3}" dt="2018-10-15T08:41:01.443" v="2491" actId="164"/>
+        <pc:picChg chg="add mod modCrop">
+          <ac:chgData name="Peter Harlan" userId="a82bf2d862d389cf" providerId="LiveId" clId="{355D77A7-22E5-44D9-8886-432C5873043D}" dt="2018-11-26T08:17:12.333" v="1669" actId="26606"/>
           <ac:picMkLst>
             <pc:docMk/>
             <pc:sldMk cId="2529872606" sldId="261"/>
-            <ac:picMk id="7" creationId="{2076E34E-86CD-4EB8-AF3C-BDA00D0C8286}"/>
-          </ac:picMkLst>
-        </pc:picChg>
-        <pc:picChg chg="add del mod modCrop">
-          <ac:chgData name="" userId="a82bf2d862d389cf" providerId="LiveId" clId="{3D3E26D0-9530-49B6-80CD-AB52C340CBE3}" dt="2018-10-15T08:46:25.688" v="2565" actId="478"/>
-          <ac:picMkLst>
-            <pc:docMk/>
-            <pc:sldMk cId="2529872606" sldId="261"/>
-            <ac:picMk id="11" creationId="{66E6607A-6B42-4275-952D-DDBE2B14E6B2}"/>
-          </ac:picMkLst>
-        </pc:picChg>
-        <pc:picChg chg="add mod modCrop">
-          <ac:chgData name="" userId="a82bf2d862d389cf" providerId="LiveId" clId="{3D3E26D0-9530-49B6-80CD-AB52C340CBE3}" dt="2018-10-15T08:47:07.428" v="2574" actId="26606"/>
-          <ac:picMkLst>
-            <pc:docMk/>
-            <pc:sldMk cId="2529872606" sldId="261"/>
-            <ac:picMk id="13" creationId="{70C17D5A-400C-4E86-A92A-2CC48C7D636B}"/>
+            <ac:picMk id="6" creationId="{21A21C08-9E5E-4BB2-8516-BB1F0DE6FFA2}"/>
           </ac:picMkLst>
         </pc:picChg>
       </pc:sldChg>
       <pc:sldChg chg="addSp delSp modSp mod setBg">
-        <pc:chgData name="" userId="a82bf2d862d389cf" providerId="LiveId" clId="{3D3E26D0-9530-49B6-80CD-AB52C340CBE3}" dt="2018-10-15T08:49:11.091" v="2588" actId="478"/>
+        <pc:chgData name="Peter Harlan" userId="a82bf2d862d389cf" providerId="LiveId" clId="{355D77A7-22E5-44D9-8886-432C5873043D}" dt="2018-11-26T08:02:41.841" v="1033" actId="20577"/>
         <pc:sldMkLst>
           <pc:docMk/>
           <pc:sldMk cId="2408028261" sldId="264"/>
         </pc:sldMkLst>
         <pc:spChg chg="mod">
-          <ac:chgData name="" userId="a82bf2d862d389cf" providerId="LiveId" clId="{3D3E26D0-9530-49B6-80CD-AB52C340CBE3}" dt="2018-10-15T08:49:07.130" v="2587" actId="26606"/>
+          <ac:chgData name="Peter Harlan" userId="a82bf2d862d389cf" providerId="LiveId" clId="{355D77A7-22E5-44D9-8886-432C5873043D}" dt="2018-11-26T08:00:18.739" v="1018" actId="26606"/>
           <ac:spMkLst>
             <pc:docMk/>
             <pc:sldMk cId="2408028261" sldId="264"/>
             <ac:spMk id="2" creationId="{00000000-0000-0000-0000-000000000000}"/>
           </ac:spMkLst>
         </pc:spChg>
-        <pc:spChg chg="del mod">
-          <ac:chgData name="" userId="a82bf2d862d389cf" providerId="LiveId" clId="{3D3E26D0-9530-49B6-80CD-AB52C340CBE3}" dt="2018-10-15T08:49:11.091" v="2588" actId="478"/>
+        <pc:spChg chg="del">
+          <ac:chgData name="Peter Harlan" userId="a82bf2d862d389cf" providerId="LiveId" clId="{355D77A7-22E5-44D9-8886-432C5873043D}" dt="2018-11-26T07:59:41.404" v="1015" actId="478"/>
           <ac:spMkLst>
             <pc:docMk/>
             <pc:sldMk cId="2408028261" sldId="264"/>
@@ -347,78 +291,182 @@
           </ac:spMkLst>
         </pc:spChg>
         <pc:spChg chg="add mod">
-          <ac:chgData name="" userId="a82bf2d862d389cf" providerId="LiveId" clId="{3D3E26D0-9530-49B6-80CD-AB52C340CBE3}" dt="2018-10-15T08:49:11.091" v="2588" actId="478"/>
+          <ac:chgData name="Peter Harlan" userId="a82bf2d862d389cf" providerId="LiveId" clId="{355D77A7-22E5-44D9-8886-432C5873043D}" dt="2018-11-26T08:00:18.739" v="1018" actId="26606"/>
           <ac:spMkLst>
             <pc:docMk/>
             <pc:sldMk cId="2408028261" sldId="264"/>
-            <ac:spMk id="6" creationId="{58B94BD8-F852-436B-B5B5-996084449CB8}"/>
+            <ac:spMk id="6" creationId="{553582C2-E4D2-4348-9A90-901BA6FD4034}"/>
+          </ac:spMkLst>
+        </pc:spChg>
+        <pc:spChg chg="add del">
+          <ac:chgData name="Peter Harlan" userId="a82bf2d862d389cf" providerId="LiveId" clId="{355D77A7-22E5-44D9-8886-432C5873043D}" dt="2018-11-26T08:01:11.770" v="1031" actId="26606"/>
+          <ac:spMkLst>
+            <pc:docMk/>
+            <pc:sldMk cId="2408028261" sldId="264"/>
+            <ac:spMk id="12" creationId="{7049A7D3-684C-4C59-A4B6-7B308A6AD34D}"/>
+          </ac:spMkLst>
+        </pc:spChg>
+        <pc:spChg chg="add del">
+          <ac:chgData name="Peter Harlan" userId="a82bf2d862d389cf" providerId="LiveId" clId="{355D77A7-22E5-44D9-8886-432C5873043D}" dt="2018-11-26T08:01:11.770" v="1031" actId="26606"/>
+          <ac:spMkLst>
+            <pc:docMk/>
+            <pc:sldMk cId="2408028261" sldId="264"/>
+            <ac:spMk id="14" creationId="{D7B1087B-C592-40E7-B532-60B453A2FE6A}"/>
+          </ac:spMkLst>
+        </pc:spChg>
+        <pc:spChg chg="add del">
+          <ac:chgData name="Peter Harlan" userId="a82bf2d862d389cf" providerId="LiveId" clId="{355D77A7-22E5-44D9-8886-432C5873043D}" dt="2018-11-26T08:01:11.770" v="1031" actId="26606"/>
+          <ac:spMkLst>
+            <pc:docMk/>
+            <pc:sldMk cId="2408028261" sldId="264"/>
+            <ac:spMk id="16" creationId="{14AE7447-E8F8-4A0F-9E3D-94842BFF886E}"/>
+          </ac:spMkLst>
+        </pc:spChg>
+        <pc:spChg chg="add del">
+          <ac:chgData name="Peter Harlan" userId="a82bf2d862d389cf" providerId="LiveId" clId="{355D77A7-22E5-44D9-8886-432C5873043D}" dt="2018-11-26T08:01:11.770" v="1031" actId="26606"/>
+          <ac:spMkLst>
+            <pc:docMk/>
+            <pc:sldMk cId="2408028261" sldId="264"/>
+            <ac:spMk id="22" creationId="{FF0965A7-524A-44F1-B044-48411EA4FD85}"/>
+          </ac:spMkLst>
+        </pc:spChg>
+        <pc:spChg chg="add del">
+          <ac:chgData name="Peter Harlan" userId="a82bf2d862d389cf" providerId="LiveId" clId="{355D77A7-22E5-44D9-8886-432C5873043D}" dt="2018-11-26T08:01:11.770" v="1031" actId="26606"/>
+          <ac:spMkLst>
+            <pc:docMk/>
+            <pc:sldMk cId="2408028261" sldId="264"/>
+            <ac:spMk id="24" creationId="{58EE5433-7B78-4432-965F-8790C3F425BE}"/>
+          </ac:spMkLst>
+        </pc:spChg>
+        <pc:spChg chg="add del">
+          <ac:chgData name="Peter Harlan" userId="a82bf2d862d389cf" providerId="LiveId" clId="{355D77A7-22E5-44D9-8886-432C5873043D}" dt="2018-11-26T08:01:11.770" v="1031" actId="26606"/>
+          <ac:spMkLst>
+            <pc:docMk/>
+            <pc:sldMk cId="2408028261" sldId="264"/>
+            <ac:spMk id="26" creationId="{8F7AAA96-ECD9-48EA-B942-1172BB519BB0}"/>
+          </ac:spMkLst>
+        </pc:spChg>
+        <pc:spChg chg="add del">
+          <ac:chgData name="Peter Harlan" userId="a82bf2d862d389cf" providerId="LiveId" clId="{355D77A7-22E5-44D9-8886-432C5873043D}" dt="2018-11-26T08:01:11.770" v="1031" actId="26606"/>
+          <ac:spMkLst>
+            <pc:docMk/>
+            <pc:sldMk cId="2408028261" sldId="264"/>
+            <ac:spMk id="28" creationId="{248BD5A8-902E-46F3-9C9F-F939987C5E32}"/>
           </ac:spMkLst>
         </pc:spChg>
         <pc:spChg chg="add">
-          <ac:chgData name="" userId="a82bf2d862d389cf" providerId="LiveId" clId="{3D3E26D0-9530-49B6-80CD-AB52C340CBE3}" dt="2018-10-15T08:49:07.130" v="2587" actId="26606"/>
+          <ac:chgData name="Peter Harlan" userId="a82bf2d862d389cf" providerId="LiveId" clId="{355D77A7-22E5-44D9-8886-432C5873043D}" dt="2018-11-26T08:01:11.770" v="1031" actId="26606"/>
           <ac:spMkLst>
             <pc:docMk/>
             <pc:sldMk cId="2408028261" sldId="264"/>
-            <ac:spMk id="8" creationId="{9A3D0CE2-91FF-49B3-A5D8-181E900D7501}"/>
+            <ac:spMk id="37" creationId="{7049A7D3-684C-4C59-A4B6-7B308A6AD34D}"/>
           </ac:spMkLst>
         </pc:spChg>
         <pc:spChg chg="add">
-          <ac:chgData name="" userId="a82bf2d862d389cf" providerId="LiveId" clId="{3D3E26D0-9530-49B6-80CD-AB52C340CBE3}" dt="2018-10-15T08:49:07.130" v="2587" actId="26606"/>
+          <ac:chgData name="Peter Harlan" userId="a82bf2d862d389cf" providerId="LiveId" clId="{355D77A7-22E5-44D9-8886-432C5873043D}" dt="2018-11-26T08:01:11.770" v="1031" actId="26606"/>
           <ac:spMkLst>
             <pc:docMk/>
             <pc:sldMk cId="2408028261" sldId="264"/>
-            <ac:spMk id="10" creationId="{58AEBD96-C315-4F53-9D9E-0E20E993EBFA}"/>
+            <ac:spMk id="39" creationId="{D7B1087B-C592-40E7-B532-60B453A2FE6A}"/>
           </ac:spMkLst>
         </pc:spChg>
         <pc:spChg chg="add">
-          <ac:chgData name="" userId="a82bf2d862d389cf" providerId="LiveId" clId="{3D3E26D0-9530-49B6-80CD-AB52C340CBE3}" dt="2018-10-15T08:49:07.130" v="2587" actId="26606"/>
+          <ac:chgData name="Peter Harlan" userId="a82bf2d862d389cf" providerId="LiveId" clId="{355D77A7-22E5-44D9-8886-432C5873043D}" dt="2018-11-26T08:01:11.770" v="1031" actId="26606"/>
           <ac:spMkLst>
             <pc:docMk/>
             <pc:sldMk cId="2408028261" sldId="264"/>
-            <ac:spMk id="12" creationId="{78916AAA-66F6-4DFA-88ED-7E27CF6B8DAD}"/>
+            <ac:spMk id="41" creationId="{14AE7447-E8F8-4A0F-9E3D-94842BFF886E}"/>
           </ac:spMkLst>
         </pc:spChg>
         <pc:spChg chg="add">
-          <ac:chgData name="" userId="a82bf2d862d389cf" providerId="LiveId" clId="{3D3E26D0-9530-49B6-80CD-AB52C340CBE3}" dt="2018-10-15T08:49:07.130" v="2587" actId="26606"/>
+          <ac:chgData name="Peter Harlan" userId="a82bf2d862d389cf" providerId="LiveId" clId="{355D77A7-22E5-44D9-8886-432C5873043D}" dt="2018-11-26T08:01:11.770" v="1031" actId="26606"/>
           <ac:spMkLst>
             <pc:docMk/>
             <pc:sldMk cId="2408028261" sldId="264"/>
-            <ac:spMk id="18" creationId="{48FDEBDB-5859-4B9E-8810-2C5CFED093F3}"/>
+            <ac:spMk id="47" creationId="{FF0965A7-524A-44F1-B044-48411EA4FD85}"/>
           </ac:spMkLst>
         </pc:spChg>
-        <pc:grpChg chg="add">
-          <ac:chgData name="" userId="a82bf2d862d389cf" providerId="LiveId" clId="{3D3E26D0-9530-49B6-80CD-AB52C340CBE3}" dt="2018-10-15T08:49:07.130" v="2587" actId="26606"/>
+        <pc:spChg chg="add">
+          <ac:chgData name="Peter Harlan" userId="a82bf2d862d389cf" providerId="LiveId" clId="{355D77A7-22E5-44D9-8886-432C5873043D}" dt="2018-11-26T08:01:11.770" v="1031" actId="26606"/>
+          <ac:spMkLst>
+            <pc:docMk/>
+            <pc:sldMk cId="2408028261" sldId="264"/>
+            <ac:spMk id="49" creationId="{58EE5433-7B78-4432-965F-8790C3F425BE}"/>
+          </ac:spMkLst>
+        </pc:spChg>
+        <pc:spChg chg="add">
+          <ac:chgData name="Peter Harlan" userId="a82bf2d862d389cf" providerId="LiveId" clId="{355D77A7-22E5-44D9-8886-432C5873043D}" dt="2018-11-26T08:01:11.770" v="1031" actId="26606"/>
+          <ac:spMkLst>
+            <pc:docMk/>
+            <pc:sldMk cId="2408028261" sldId="264"/>
+            <ac:spMk id="51" creationId="{8F7AAA96-ECD9-48EA-B942-1172BB519BB0}"/>
+          </ac:spMkLst>
+        </pc:spChg>
+        <pc:spChg chg="add">
+          <ac:chgData name="Peter Harlan" userId="a82bf2d862d389cf" providerId="LiveId" clId="{355D77A7-22E5-44D9-8886-432C5873043D}" dt="2018-11-26T08:01:11.770" v="1031" actId="26606"/>
+          <ac:spMkLst>
+            <pc:docMk/>
+            <pc:sldMk cId="2408028261" sldId="264"/>
+            <ac:spMk id="53" creationId="{248BD5A8-902E-46F3-9C9F-F939987C5E32}"/>
+          </ac:spMkLst>
+        </pc:spChg>
+        <pc:grpChg chg="add del">
+          <ac:chgData name="Peter Harlan" userId="a82bf2d862d389cf" providerId="LiveId" clId="{355D77A7-22E5-44D9-8886-432C5873043D}" dt="2018-11-26T08:01:11.770" v="1031" actId="26606"/>
           <ac:grpSpMkLst>
             <pc:docMk/>
             <pc:sldMk cId="2408028261" sldId="264"/>
-            <ac:grpSpMk id="14" creationId="{A137D43F-BAD6-47F1-AA65-AEEA38A2FF30}"/>
+            <ac:grpSpMk id="18" creationId="{85981F80-69EE-4E2B-82A8-47FDFD7720AC}"/>
+          </ac:grpSpMkLst>
+        </pc:grpChg>
+        <pc:grpChg chg="add del">
+          <ac:chgData name="Peter Harlan" userId="a82bf2d862d389cf" providerId="LiveId" clId="{355D77A7-22E5-44D9-8886-432C5873043D}" dt="2018-11-26T08:01:11.770" v="1031" actId="26606"/>
+          <ac:grpSpMkLst>
+            <pc:docMk/>
+            <pc:sldMk cId="2408028261" sldId="264"/>
+            <ac:grpSpMk id="30" creationId="{3800B863-FA71-4FFB-9F30-56E95B0D3DF0}"/>
+          </ac:grpSpMkLst>
+        </pc:grpChg>
+        <pc:grpChg chg="add">
+          <ac:chgData name="Peter Harlan" userId="a82bf2d862d389cf" providerId="LiveId" clId="{355D77A7-22E5-44D9-8886-432C5873043D}" dt="2018-11-26T08:01:11.770" v="1031" actId="26606"/>
+          <ac:grpSpMkLst>
+            <pc:docMk/>
+            <pc:sldMk cId="2408028261" sldId="264"/>
+            <ac:grpSpMk id="43" creationId="{85981F80-69EE-4E2B-82A8-47FDFD7720AC}"/>
+          </ac:grpSpMkLst>
+        </pc:grpChg>
+        <pc:grpChg chg="add">
+          <ac:chgData name="Peter Harlan" userId="a82bf2d862d389cf" providerId="LiveId" clId="{355D77A7-22E5-44D9-8886-432C5873043D}" dt="2018-11-26T08:01:11.770" v="1031" actId="26606"/>
+          <ac:grpSpMkLst>
+            <pc:docMk/>
+            <pc:sldMk cId="2408028261" sldId="264"/>
+            <ac:grpSpMk id="55" creationId="{3800B863-FA71-4FFB-9F30-56E95B0D3DF0}"/>
           </ac:grpSpMkLst>
         </pc:grpChg>
         <pc:picChg chg="del">
-          <ac:chgData name="" userId="a82bf2d862d389cf" providerId="LiveId" clId="{3D3E26D0-9530-49B6-80CD-AB52C340CBE3}" dt="2018-10-15T08:48:50.604" v="2586" actId="478"/>
+          <ac:chgData name="Peter Harlan" userId="a82bf2d862d389cf" providerId="LiveId" clId="{355D77A7-22E5-44D9-8886-432C5873043D}" dt="2018-11-26T07:59:37.831" v="1014" actId="478"/>
           <ac:picMkLst>
             <pc:docMk/>
             <pc:sldMk cId="2408028261" sldId="264"/>
             <ac:picMk id="4" creationId="{00000000-0000-0000-0000-000000000000}"/>
           </ac:picMkLst>
         </pc:picChg>
-        <pc:cxnChg chg="add">
-          <ac:chgData name="" userId="a82bf2d862d389cf" providerId="LiveId" clId="{3D3E26D0-9530-49B6-80CD-AB52C340CBE3}" dt="2018-10-15T08:49:07.130" v="2587" actId="26606"/>
-          <ac:cxnSpMkLst>
+        <pc:picChg chg="add mod modCrop">
+          <ac:chgData name="Peter Harlan" userId="a82bf2d862d389cf" providerId="LiveId" clId="{355D77A7-22E5-44D9-8886-432C5873043D}" dt="2018-11-26T08:02:41.841" v="1033" actId="20577"/>
+          <ac:picMkLst>
             <pc:docMk/>
             <pc:sldMk cId="2408028261" sldId="264"/>
-            <ac:cxnSpMk id="20" creationId="{B1D1A340-723B-4014-B5FE-204F06273136}"/>
-          </ac:cxnSpMkLst>
-        </pc:cxnChg>
+            <ac:picMk id="7" creationId="{EBEB9678-F9CA-45AB-9145-61AE7AFFBE76}"/>
+          </ac:picMkLst>
+        </pc:picChg>
       </pc:sldChg>
       <pc:sldChg chg="modSp">
-        <pc:chgData name="" userId="a82bf2d862d389cf" providerId="LiveId" clId="{3D3E26D0-9530-49B6-80CD-AB52C340CBE3}" dt="2018-10-15T08:44:00.821" v="2546" actId="1076"/>
+        <pc:chgData name="Peter Harlan" userId="a82bf2d862d389cf" providerId="LiveId" clId="{355D77A7-22E5-44D9-8886-432C5873043D}" dt="2018-11-26T08:04:19.458" v="1053" actId="27636"/>
         <pc:sldMkLst>
           <pc:docMk/>
           <pc:sldMk cId="242250864" sldId="266"/>
         </pc:sldMkLst>
         <pc:spChg chg="mod">
-          <ac:chgData name="" userId="a82bf2d862d389cf" providerId="LiveId" clId="{3D3E26D0-9530-49B6-80CD-AB52C340CBE3}" dt="2018-10-15T08:44:00.821" v="2546" actId="1076"/>
+          <ac:chgData name="Peter Harlan" userId="a82bf2d862d389cf" providerId="LiveId" clId="{355D77A7-22E5-44D9-8886-432C5873043D}" dt="2018-11-26T08:04:19.458" v="1053" actId="27636"/>
           <ac:spMkLst>
             <pc:docMk/>
             <pc:sldMk cId="242250864" sldId="266"/>
@@ -426,437 +474,82 @@
           </ac:spMkLst>
         </pc:spChg>
       </pc:sldChg>
-      <pc:sldChg chg="addSp delSp modSp ord">
-        <pc:chgData name="" userId="a82bf2d862d389cf" providerId="LiveId" clId="{3D3E26D0-9530-49B6-80CD-AB52C340CBE3}" dt="2018-10-15T08:29:38.317" v="1806" actId="1076"/>
+      <pc:sldChg chg="addSp delSp modSp mod setBg">
+        <pc:chgData name="Peter Harlan" userId="a82bf2d862d389cf" providerId="LiveId" clId="{355D77A7-22E5-44D9-8886-432C5873043D}" dt="2018-11-26T08:17:31.919" v="1682" actId="20577"/>
+        <pc:sldMkLst>
+          <pc:docMk/>
+          <pc:sldMk cId="3977685230" sldId="267"/>
+        </pc:sldMkLst>
+        <pc:spChg chg="mod">
+          <ac:chgData name="Peter Harlan" userId="a82bf2d862d389cf" providerId="LiveId" clId="{355D77A7-22E5-44D9-8886-432C5873043D}" dt="2018-11-26T08:12:56.588" v="1658" actId="26606"/>
+          <ac:spMkLst>
+            <pc:docMk/>
+            <pc:sldMk cId="3977685230" sldId="267"/>
+            <ac:spMk id="2" creationId="{00000000-0000-0000-0000-000000000000}"/>
+          </ac:spMkLst>
+        </pc:spChg>
+        <pc:spChg chg="mod">
+          <ac:chgData name="Peter Harlan" userId="a82bf2d862d389cf" providerId="LiveId" clId="{355D77A7-22E5-44D9-8886-432C5873043D}" dt="2018-11-26T08:17:31.919" v="1682" actId="20577"/>
+          <ac:spMkLst>
+            <pc:docMk/>
+            <pc:sldMk cId="3977685230" sldId="267"/>
+            <ac:spMk id="3" creationId="{00000000-0000-0000-0000-000000000000}"/>
+          </ac:spMkLst>
+        </pc:spChg>
+        <pc:spChg chg="add del">
+          <ac:chgData name="Peter Harlan" userId="a82bf2d862d389cf" providerId="LiveId" clId="{355D77A7-22E5-44D9-8886-432C5873043D}" dt="2018-11-26T08:12:56.588" v="1658" actId="26606"/>
+          <ac:spMkLst>
+            <pc:docMk/>
+            <pc:sldMk cId="3977685230" sldId="267"/>
+            <ac:spMk id="10" creationId="{4DA90C30-B990-4CCA-B584-40F864DA3A82}"/>
+          </ac:spMkLst>
+        </pc:spChg>
+        <pc:grpChg chg="add del">
+          <ac:chgData name="Peter Harlan" userId="a82bf2d862d389cf" providerId="LiveId" clId="{355D77A7-22E5-44D9-8886-432C5873043D}" dt="2018-11-26T08:12:56.588" v="1658" actId="26606"/>
+          <ac:grpSpMkLst>
+            <pc:docMk/>
+            <pc:sldMk cId="3977685230" sldId="267"/>
+            <ac:grpSpMk id="12" creationId="{D060B936-2771-48DC-842C-14EE9318E3E2}"/>
+          </ac:grpSpMkLst>
+        </pc:grpChg>
+        <pc:picChg chg="add mod">
+          <ac:chgData name="Peter Harlan" userId="a82bf2d862d389cf" providerId="LiveId" clId="{355D77A7-22E5-44D9-8886-432C5873043D}" dt="2018-11-26T08:13:03.922" v="1662" actId="1076"/>
+          <ac:picMkLst>
+            <pc:docMk/>
+            <pc:sldMk cId="3977685230" sldId="267"/>
+            <ac:picMk id="5" creationId="{8B323C61-07CB-4396-90C0-EA0DEBA454B0}"/>
+          </ac:picMkLst>
+        </pc:picChg>
+        <pc:picChg chg="del">
+          <ac:chgData name="Peter Harlan" userId="a82bf2d862d389cf" providerId="LiveId" clId="{355D77A7-22E5-44D9-8886-432C5873043D}" dt="2018-11-26T08:06:29.956" v="1078" actId="478"/>
+          <ac:picMkLst>
+            <pc:docMk/>
+            <pc:sldMk cId="3977685230" sldId="267"/>
+            <ac:picMk id="8" creationId="{00000000-0000-0000-0000-000000000000}"/>
+          </ac:picMkLst>
+        </pc:picChg>
+      </pc:sldChg>
+      <pc:sldChg chg="modSp add">
+        <pc:chgData name="Peter Harlan" userId="a82bf2d862d389cf" providerId="LiveId" clId="{355D77A7-22E5-44D9-8886-432C5873043D}" dt="2018-11-26T08:17:36.298" v="1683" actId="403"/>
+        <pc:sldMkLst>
+          <pc:docMk/>
+          <pc:sldMk cId="3436916353" sldId="268"/>
+        </pc:sldMkLst>
+        <pc:spChg chg="mod">
+          <ac:chgData name="Peter Harlan" userId="a82bf2d862d389cf" providerId="LiveId" clId="{355D77A7-22E5-44D9-8886-432C5873043D}" dt="2018-11-26T08:17:36.298" v="1683" actId="403"/>
+          <ac:spMkLst>
+            <pc:docMk/>
+            <pc:sldMk cId="3436916353" sldId="268"/>
+            <ac:spMk id="3" creationId="{00000000-0000-0000-0000-000000000000}"/>
+          </ac:spMkLst>
+        </pc:spChg>
+      </pc:sldChg>
+      <pc:sldChg chg="del">
+        <pc:chgData name="Peter Harlan" userId="a82bf2d862d389cf" providerId="LiveId" clId="{355D77A7-22E5-44D9-8886-432C5873043D}" dt="2018-11-26T07:55:37.001" v="627" actId="2696"/>
         <pc:sldMkLst>
           <pc:docMk/>
           <pc:sldMk cId="3877335169" sldId="268"/>
         </pc:sldMkLst>
-        <pc:spChg chg="mod">
-          <ac:chgData name="" userId="a82bf2d862d389cf" providerId="LiveId" clId="{3D3E26D0-9530-49B6-80CD-AB52C340CBE3}" dt="2018-10-15T08:29:13.711" v="1798" actId="20577"/>
-          <ac:spMkLst>
-            <pc:docMk/>
-            <pc:sldMk cId="3877335169" sldId="268"/>
-            <ac:spMk id="2" creationId="{00000000-0000-0000-0000-000000000000}"/>
-          </ac:spMkLst>
-        </pc:spChg>
-        <pc:spChg chg="mod">
-          <ac:chgData name="" userId="a82bf2d862d389cf" providerId="LiveId" clId="{3D3E26D0-9530-49B6-80CD-AB52C340CBE3}" dt="2018-10-15T08:29:19.444" v="1800" actId="20577"/>
-          <ac:spMkLst>
-            <pc:docMk/>
-            <pc:sldMk cId="3877335169" sldId="268"/>
-            <ac:spMk id="3" creationId="{00000000-0000-0000-0000-000000000000}"/>
-          </ac:spMkLst>
-        </pc:spChg>
-        <pc:picChg chg="add mod">
-          <ac:chgData name="" userId="a82bf2d862d389cf" providerId="LiveId" clId="{3D3E26D0-9530-49B6-80CD-AB52C340CBE3}" dt="2018-10-15T08:29:38.317" v="1806" actId="1076"/>
-          <ac:picMkLst>
-            <pc:docMk/>
-            <pc:sldMk cId="3877335169" sldId="268"/>
-            <ac:picMk id="5" creationId="{6E275968-1500-45A6-86CB-F9F48DB1585B}"/>
-          </ac:picMkLst>
-        </pc:picChg>
-        <pc:picChg chg="del">
-          <ac:chgData name="" userId="a82bf2d862d389cf" providerId="LiveId" clId="{3D3E26D0-9530-49B6-80CD-AB52C340CBE3}" dt="2018-10-15T08:29:15.736" v="1799" actId="478"/>
-          <ac:picMkLst>
-            <pc:docMk/>
-            <pc:sldMk cId="3877335169" sldId="268"/>
-            <ac:picMk id="7" creationId="{00000000-0000-0000-0000-000000000000}"/>
-          </ac:picMkLst>
-        </pc:picChg>
-      </pc:sldChg>
-      <pc:sldChg chg="addSp delSp add">
-        <pc:chgData name="" userId="a82bf2d862d389cf" providerId="LiveId" clId="{3D3E26D0-9530-49B6-80CD-AB52C340CBE3}" dt="2018-10-15T08:49:58.147" v="2592" actId="1076"/>
-        <pc:sldMkLst>
-          <pc:docMk/>
-          <pc:sldMk cId="2872597440" sldId="269"/>
-        </pc:sldMkLst>
-        <pc:picChg chg="add">
-          <ac:chgData name="" userId="a82bf2d862d389cf" providerId="LiveId" clId="{3D3E26D0-9530-49B6-80CD-AB52C340CBE3}" dt="2018-10-15T08:49:58.147" v="2592" actId="1076"/>
-          <ac:picMkLst>
-            <pc:docMk/>
-            <pc:sldMk cId="2872597440" sldId="269"/>
-            <ac:picMk id="5" creationId="{539B01BC-7E4C-4A6A-9C61-3675EDB054D1}"/>
-          </ac:picMkLst>
-        </pc:picChg>
-        <pc:picChg chg="del">
-          <ac:chgData name="" userId="a82bf2d862d389cf" providerId="LiveId" clId="{3D3E26D0-9530-49B6-80CD-AB52C340CBE3}" dt="2018-10-15T08:49:57.854" v="2591" actId="478"/>
-          <ac:picMkLst>
-            <pc:docMk/>
-            <pc:sldMk cId="2872597440" sldId="269"/>
-            <ac:picMk id="7" creationId="{00000000-0000-0000-0000-000000000000}"/>
-          </ac:picMkLst>
-        </pc:picChg>
-      </pc:sldChg>
-    </pc:docChg>
-  </pc:docChgLst>
-  <pc:docChgLst>
-    <pc:chgData userId="a82bf2d862d389cf" providerId="LiveId" clId="{09128F19-E640-4E27-89C3-8C062D63F330}"/>
-    <pc:docChg chg="custSel modSld">
-      <pc:chgData name="" userId="a82bf2d862d389cf" providerId="LiveId" clId="{09128F19-E640-4E27-89C3-8C062D63F330}" dt="2018-10-31T16:27:23.597" v="59" actId="6549"/>
-      <pc:docMkLst>
-        <pc:docMk/>
-      </pc:docMkLst>
-      <pc:sldChg chg="modSp">
-        <pc:chgData name="" userId="a82bf2d862d389cf" providerId="LiveId" clId="{09128F19-E640-4E27-89C3-8C062D63F330}" dt="2018-10-31T16:24:53.114" v="5" actId="20577"/>
-        <pc:sldMkLst>
-          <pc:docMk/>
-          <pc:sldMk cId="2450968135" sldId="256"/>
-        </pc:sldMkLst>
-        <pc:spChg chg="mod">
-          <ac:chgData name="" userId="a82bf2d862d389cf" providerId="LiveId" clId="{09128F19-E640-4E27-89C3-8C062D63F330}" dt="2018-10-31T16:24:53.114" v="5" actId="20577"/>
-          <ac:spMkLst>
-            <pc:docMk/>
-            <pc:sldMk cId="2450968135" sldId="256"/>
-            <ac:spMk id="2" creationId="{00000000-0000-0000-0000-000000000000}"/>
-          </ac:spMkLst>
-        </pc:spChg>
-      </pc:sldChg>
-      <pc:sldChg chg="addSp delSp modSp mod setBg">
-        <pc:chgData name="" userId="a82bf2d862d389cf" providerId="LiveId" clId="{09128F19-E640-4E27-89C3-8C062D63F330}" dt="2018-10-31T16:27:15.407" v="57" actId="1076"/>
-        <pc:sldMkLst>
-          <pc:docMk/>
-          <pc:sldMk cId="2843271766" sldId="258"/>
-        </pc:sldMkLst>
-        <pc:spChg chg="mod">
-          <ac:chgData name="" userId="a82bf2d862d389cf" providerId="LiveId" clId="{09128F19-E640-4E27-89C3-8C062D63F330}" dt="2018-10-31T16:26:04.434" v="40" actId="26606"/>
-          <ac:spMkLst>
-            <pc:docMk/>
-            <pc:sldMk cId="2843271766" sldId="258"/>
-            <ac:spMk id="2" creationId="{00000000-0000-0000-0000-000000000000}"/>
-          </ac:spMkLst>
-        </pc:spChg>
-        <pc:spChg chg="del mod">
-          <ac:chgData name="" userId="a82bf2d862d389cf" providerId="LiveId" clId="{09128F19-E640-4E27-89C3-8C062D63F330}" dt="2018-10-31T16:26:32.249" v="46" actId="1076"/>
-          <ac:spMkLst>
-            <pc:docMk/>
-            <pc:sldMk cId="2843271766" sldId="258"/>
-            <ac:spMk id="3" creationId="{00000000-0000-0000-0000-000000000000}"/>
-          </ac:spMkLst>
-        </pc:spChg>
-        <pc:picChg chg="del">
-          <ac:chgData name="" userId="a82bf2d862d389cf" providerId="LiveId" clId="{09128F19-E640-4E27-89C3-8C062D63F330}" dt="2018-10-31T16:25:03.983" v="7" actId="478"/>
-          <ac:picMkLst>
-            <pc:docMk/>
-            <pc:sldMk cId="2843271766" sldId="258"/>
-            <ac:picMk id="4" creationId="{00000000-0000-0000-0000-000000000000}"/>
-          </ac:picMkLst>
-        </pc:picChg>
-        <pc:picChg chg="del">
-          <ac:chgData name="" userId="a82bf2d862d389cf" providerId="LiveId" clId="{09128F19-E640-4E27-89C3-8C062D63F330}" dt="2018-10-31T16:25:06.663" v="9" actId="478"/>
-          <ac:picMkLst>
-            <pc:docMk/>
-            <pc:sldMk cId="2843271766" sldId="258"/>
-            <ac:picMk id="5" creationId="{00000000-0000-0000-0000-000000000000}"/>
-          </ac:picMkLst>
-        </pc:picChg>
-        <pc:picChg chg="del">
-          <ac:chgData name="" userId="a82bf2d862d389cf" providerId="LiveId" clId="{09128F19-E640-4E27-89C3-8C062D63F330}" dt="2018-10-31T16:25:01.954" v="6" actId="478"/>
-          <ac:picMkLst>
-            <pc:docMk/>
-            <pc:sldMk cId="2843271766" sldId="258"/>
-            <ac:picMk id="6" creationId="{00000000-0000-0000-0000-000000000000}"/>
-          </ac:picMkLst>
-        </pc:picChg>
-        <pc:picChg chg="del">
-          <ac:chgData name="" userId="a82bf2d862d389cf" providerId="LiveId" clId="{09128F19-E640-4E27-89C3-8C062D63F330}" dt="2018-10-31T16:25:08.891" v="11" actId="478"/>
-          <ac:picMkLst>
-            <pc:docMk/>
-            <pc:sldMk cId="2843271766" sldId="258"/>
-            <ac:picMk id="8" creationId="{F308A9B5-21DB-4906-92E9-44DAE9FAC067}"/>
-          </ac:picMkLst>
-        </pc:picChg>
-        <pc:picChg chg="add del mod">
-          <ac:chgData name="" userId="a82bf2d862d389cf" providerId="LiveId" clId="{09128F19-E640-4E27-89C3-8C062D63F330}" dt="2018-10-31T16:26:09.588" v="45" actId="478"/>
-          <ac:picMkLst>
-            <pc:docMk/>
-            <pc:sldMk cId="2843271766" sldId="258"/>
-            <ac:picMk id="9" creationId="{8109CD14-F034-4CD4-8CBD-C982F5766248}"/>
-          </ac:picMkLst>
-        </pc:picChg>
-        <pc:picChg chg="del">
-          <ac:chgData name="" userId="a82bf2d862d389cf" providerId="LiveId" clId="{09128F19-E640-4E27-89C3-8C062D63F330}" dt="2018-10-31T16:25:04.979" v="8" actId="478"/>
-          <ac:picMkLst>
-            <pc:docMk/>
-            <pc:sldMk cId="2843271766" sldId="258"/>
-            <ac:picMk id="10" creationId="{7B7F1360-BE0D-4802-8032-EF5E3B15D51B}"/>
-          </ac:picMkLst>
-        </pc:picChg>
-        <pc:picChg chg="del">
-          <ac:chgData name="" userId="a82bf2d862d389cf" providerId="LiveId" clId="{09128F19-E640-4E27-89C3-8C062D63F330}" dt="2018-10-31T16:25:01.954" v="6" actId="478"/>
-          <ac:picMkLst>
-            <pc:docMk/>
-            <pc:sldMk cId="2843271766" sldId="258"/>
-            <ac:picMk id="12" creationId="{CA79DEBE-EE84-4ACF-BA1F-5C3799DB8EF3}"/>
-          </ac:picMkLst>
-        </pc:picChg>
-        <pc:picChg chg="add mod">
-          <ac:chgData name="" userId="a82bf2d862d389cf" providerId="LiveId" clId="{09128F19-E640-4E27-89C3-8C062D63F330}" dt="2018-10-31T16:27:13.552" v="56" actId="1076"/>
-          <ac:picMkLst>
-            <pc:docMk/>
-            <pc:sldMk cId="2843271766" sldId="258"/>
-            <ac:picMk id="13" creationId="{3668367F-9873-4DC6-A9E5-2E29C4313767}"/>
-          </ac:picMkLst>
-        </pc:picChg>
-        <pc:picChg chg="del">
-          <ac:chgData name="" userId="a82bf2d862d389cf" providerId="LiveId" clId="{09128F19-E640-4E27-89C3-8C062D63F330}" dt="2018-10-31T16:25:07.754" v="10" actId="478"/>
-          <ac:picMkLst>
-            <pc:docMk/>
-            <pc:sldMk cId="2843271766" sldId="258"/>
-            <ac:picMk id="14" creationId="{98EA73D2-35AA-4267-911F-1664A17A1724}"/>
-          </ac:picMkLst>
-        </pc:picChg>
-        <pc:picChg chg="add mod">
-          <ac:chgData name="" userId="a82bf2d862d389cf" providerId="LiveId" clId="{09128F19-E640-4E27-89C3-8C062D63F330}" dt="2018-10-31T16:27:15.407" v="57" actId="1076"/>
-          <ac:picMkLst>
-            <pc:docMk/>
-            <pc:sldMk cId="2843271766" sldId="258"/>
-            <ac:picMk id="16" creationId="{CE7F9350-58EA-45F2-8BC6-7178B1729448}"/>
-          </ac:picMkLst>
-        </pc:picChg>
-      </pc:sldChg>
-      <pc:sldChg chg="delSp">
-        <pc:chgData name="" userId="a82bf2d862d389cf" providerId="LiveId" clId="{09128F19-E640-4E27-89C3-8C062D63F330}" dt="2018-10-31T16:27:20.472" v="58" actId="478"/>
-        <pc:sldMkLst>
-          <pc:docMk/>
-          <pc:sldMk cId="3877335169" sldId="268"/>
-        </pc:sldMkLst>
-        <pc:picChg chg="del">
-          <ac:chgData name="" userId="a82bf2d862d389cf" providerId="LiveId" clId="{09128F19-E640-4E27-89C3-8C062D63F330}" dt="2018-10-31T16:27:20.472" v="58" actId="478"/>
-          <ac:picMkLst>
-            <pc:docMk/>
-            <pc:sldMk cId="3877335169" sldId="268"/>
-            <ac:picMk id="5" creationId="{6E275968-1500-45A6-86CB-F9F48DB1585B}"/>
-          </ac:picMkLst>
-        </pc:picChg>
-      </pc:sldChg>
-    </pc:docChg>
-  </pc:docChgLst>
-  <pc:docChgLst>
-    <pc:chgData userId="a82bf2d862d389cf" providerId="LiveId" clId="{BC62891F-3C76-4A6E-91D7-8A79572ED634}"/>
-    <pc:docChg chg="delSld">
-      <pc:chgData name="" userId="a82bf2d862d389cf" providerId="LiveId" clId="{BC62891F-3C76-4A6E-91D7-8A79572ED634}" dt="2018-10-21T04:01:40.007" v="0" actId="2696"/>
-      <pc:docMkLst>
-        <pc:docMk/>
-      </pc:docMkLst>
-    </pc:docChg>
-  </pc:docChgLst>
-  <pc:docChgLst>
-    <pc:chgData name="Peter Harlan" userId="a82bf2d862d389cf" providerId="LiveId" clId="{09128F19-E640-4E27-89C3-8C062D63F330}"/>
-    <pc:docChg chg="undo custSel delSld modSld">
-      <pc:chgData name="Peter Harlan" userId="a82bf2d862d389cf" providerId="LiveId" clId="{09128F19-E640-4E27-89C3-8C062D63F330}" dt="2018-11-02T16:35:51.389" v="999" actId="403"/>
-      <pc:docMkLst>
-        <pc:docMk/>
-      </pc:docMkLst>
-      <pc:sldChg chg="modSp">
-        <pc:chgData name="Peter Harlan" userId="a82bf2d862d389cf" providerId="LiveId" clId="{09128F19-E640-4E27-89C3-8C062D63F330}" dt="2018-11-02T16:14:49.192" v="11" actId="20577"/>
-        <pc:sldMkLst>
-          <pc:docMk/>
-          <pc:sldMk cId="1870346245" sldId="257"/>
-        </pc:sldMkLst>
-        <pc:spChg chg="mod">
-          <ac:chgData name="Peter Harlan" userId="a82bf2d862d389cf" providerId="LiveId" clId="{09128F19-E640-4E27-89C3-8C062D63F330}" dt="2018-11-02T16:14:49.192" v="11" actId="20577"/>
-          <ac:spMkLst>
-            <pc:docMk/>
-            <pc:sldMk cId="1870346245" sldId="257"/>
-            <ac:spMk id="3" creationId="{00000000-0000-0000-0000-000000000000}"/>
-          </ac:spMkLst>
-        </pc:spChg>
-      </pc:sldChg>
-      <pc:sldChg chg="addSp delSp modSp">
-        <pc:chgData name="Peter Harlan" userId="a82bf2d862d389cf" providerId="LiveId" clId="{09128F19-E640-4E27-89C3-8C062D63F330}" dt="2018-11-02T16:35:51.389" v="999" actId="403"/>
-        <pc:sldMkLst>
-          <pc:docMk/>
-          <pc:sldMk cId="2529872606" sldId="261"/>
-        </pc:sldMkLst>
-        <pc:spChg chg="mod ord">
-          <ac:chgData name="Peter Harlan" userId="a82bf2d862d389cf" providerId="LiveId" clId="{09128F19-E640-4E27-89C3-8C062D63F330}" dt="2018-11-02T16:35:51.389" v="999" actId="403"/>
-          <ac:spMkLst>
-            <pc:docMk/>
-            <pc:sldMk cId="2529872606" sldId="261"/>
-            <ac:spMk id="3" creationId="{00000000-0000-0000-0000-000000000000}"/>
-          </ac:spMkLst>
-        </pc:spChg>
-        <pc:spChg chg="del">
-          <ac:chgData name="Peter Harlan" userId="a82bf2d862d389cf" providerId="LiveId" clId="{09128F19-E640-4E27-89C3-8C062D63F330}" dt="2018-11-02T16:35:42.439" v="995" actId="26606"/>
-          <ac:spMkLst>
-            <pc:docMk/>
-            <pc:sldMk cId="2529872606" sldId="261"/>
-            <ac:spMk id="18" creationId="{F3AF35CD-DA30-4E34-B0F3-32C27766DA05}"/>
-          </ac:spMkLst>
-        </pc:spChg>
-        <pc:spChg chg="add">
-          <ac:chgData name="Peter Harlan" userId="a82bf2d862d389cf" providerId="LiveId" clId="{09128F19-E640-4E27-89C3-8C062D63F330}" dt="2018-11-02T16:35:42.439" v="995" actId="26606"/>
-          <ac:spMkLst>
-            <pc:docMk/>
-            <pc:sldMk cId="2529872606" sldId="261"/>
-            <ac:spMk id="27" creationId="{F3AF35CD-DA30-4E34-B0F3-32C27766DA05}"/>
-          </ac:spMkLst>
-        </pc:spChg>
-        <pc:grpChg chg="del">
-          <ac:chgData name="Peter Harlan" userId="a82bf2d862d389cf" providerId="LiveId" clId="{09128F19-E640-4E27-89C3-8C062D63F330}" dt="2018-11-02T16:35:42.439" v="995" actId="26606"/>
-          <ac:grpSpMkLst>
-            <pc:docMk/>
-            <pc:sldMk cId="2529872606" sldId="261"/>
-            <ac:grpSpMk id="20" creationId="{BCFC42DC-2C46-47C4-BC61-530557385DBD}"/>
-          </ac:grpSpMkLst>
-        </pc:grpChg>
-        <pc:grpChg chg="add">
-          <ac:chgData name="Peter Harlan" userId="a82bf2d862d389cf" providerId="LiveId" clId="{09128F19-E640-4E27-89C3-8C062D63F330}" dt="2018-11-02T16:35:42.439" v="995" actId="26606"/>
-          <ac:grpSpMkLst>
-            <pc:docMk/>
-            <pc:sldMk cId="2529872606" sldId="261"/>
-            <ac:grpSpMk id="29" creationId="{BCFC42DC-2C46-47C4-BC61-530557385DBD}"/>
-          </ac:grpSpMkLst>
-        </pc:grpChg>
-        <pc:picChg chg="add del mod">
-          <ac:chgData name="Peter Harlan" userId="a82bf2d862d389cf" providerId="LiveId" clId="{09128F19-E640-4E27-89C3-8C062D63F330}" dt="2018-11-02T16:34:12.015" v="973" actId="478"/>
-          <ac:picMkLst>
-            <pc:docMk/>
-            <pc:sldMk cId="2529872606" sldId="261"/>
-            <ac:picMk id="5" creationId="{A9AD3482-9E45-411D-A1AC-367D3A3CBB5F}"/>
-          </ac:picMkLst>
-        </pc:picChg>
-        <pc:picChg chg="add del mod modCrop">
-          <ac:chgData name="Peter Harlan" userId="a82bf2d862d389cf" providerId="LiveId" clId="{09128F19-E640-4E27-89C3-8C062D63F330}" dt="2018-11-02T16:34:42.251" v="983" actId="478"/>
-          <ac:picMkLst>
-            <pc:docMk/>
-            <pc:sldMk cId="2529872606" sldId="261"/>
-            <ac:picMk id="7" creationId="{FE00E53A-C747-4279-8799-1B9B90F95D43}"/>
-          </ac:picMkLst>
-        </pc:picChg>
-        <pc:picChg chg="add mod modCrop">
-          <ac:chgData name="Peter Harlan" userId="a82bf2d862d389cf" providerId="LiveId" clId="{09128F19-E640-4E27-89C3-8C062D63F330}" dt="2018-11-02T16:35:42.439" v="995" actId="26606"/>
-          <ac:picMkLst>
-            <pc:docMk/>
-            <pc:sldMk cId="2529872606" sldId="261"/>
-            <ac:picMk id="9" creationId="{8F902D13-3AD1-4693-AFA9-C9EBBB6957B0}"/>
-          </ac:picMkLst>
-        </pc:picChg>
-        <pc:picChg chg="del">
-          <ac:chgData name="Peter Harlan" userId="a82bf2d862d389cf" providerId="LiveId" clId="{09128F19-E640-4E27-89C3-8C062D63F330}" dt="2018-11-02T16:30:35.293" v="966" actId="478"/>
-          <ac:picMkLst>
-            <pc:docMk/>
-            <pc:sldMk cId="2529872606" sldId="261"/>
-            <ac:picMk id="13" creationId="{70C17D5A-400C-4E86-A92A-2CC48C7D636B}"/>
-          </ac:picMkLst>
-        </pc:picChg>
-      </pc:sldChg>
-      <pc:sldChg chg="modSp">
-        <pc:chgData name="Peter Harlan" userId="a82bf2d862d389cf" providerId="LiveId" clId="{09128F19-E640-4E27-89C3-8C062D63F330}" dt="2018-11-02T16:23:02.471" v="965" actId="20577"/>
-        <pc:sldMkLst>
-          <pc:docMk/>
-          <pc:sldMk cId="242250864" sldId="266"/>
-        </pc:sldMkLst>
-        <pc:spChg chg="mod">
-          <ac:chgData name="Peter Harlan" userId="a82bf2d862d389cf" providerId="LiveId" clId="{09128F19-E640-4E27-89C3-8C062D63F330}" dt="2018-11-02T16:23:02.471" v="965" actId="20577"/>
-          <ac:spMkLst>
-            <pc:docMk/>
-            <pc:sldMk cId="242250864" sldId="266"/>
-            <ac:spMk id="3" creationId="{00000000-0000-0000-0000-000000000000}"/>
-          </ac:spMkLst>
-        </pc:spChg>
-      </pc:sldChg>
-      <pc:sldChg chg="addSp modSp">
-        <pc:chgData name="Peter Harlan" userId="a82bf2d862d389cf" providerId="LiveId" clId="{09128F19-E640-4E27-89C3-8C062D63F330}" dt="2018-11-02T16:17:23.102" v="323" actId="20577"/>
-        <pc:sldMkLst>
-          <pc:docMk/>
-          <pc:sldMk cId="3877335169" sldId="268"/>
-        </pc:sldMkLst>
-        <pc:spChg chg="mod">
-          <ac:chgData name="Peter Harlan" userId="a82bf2d862d389cf" providerId="LiveId" clId="{09128F19-E640-4E27-89C3-8C062D63F330}" dt="2018-11-02T16:17:23.102" v="323" actId="20577"/>
-          <ac:spMkLst>
-            <pc:docMk/>
-            <pc:sldMk cId="3877335169" sldId="268"/>
-            <ac:spMk id="2" creationId="{00000000-0000-0000-0000-000000000000}"/>
-          </ac:spMkLst>
-        </pc:spChg>
-        <pc:spChg chg="mod">
-          <ac:chgData name="Peter Harlan" userId="a82bf2d862d389cf" providerId="LiveId" clId="{09128F19-E640-4E27-89C3-8C062D63F330}" dt="2018-11-02T16:16:59.717" v="306" actId="404"/>
-          <ac:spMkLst>
-            <pc:docMk/>
-            <pc:sldMk cId="3877335169" sldId="268"/>
-            <ac:spMk id="3" creationId="{00000000-0000-0000-0000-000000000000}"/>
-          </ac:spMkLst>
-        </pc:spChg>
-        <pc:picChg chg="add mod">
-          <ac:chgData name="Peter Harlan" userId="a82bf2d862d389cf" providerId="LiveId" clId="{09128F19-E640-4E27-89C3-8C062D63F330}" dt="2018-11-02T16:13:09.309" v="2" actId="1076"/>
-          <ac:picMkLst>
-            <pc:docMk/>
-            <pc:sldMk cId="3877335169" sldId="268"/>
-            <ac:picMk id="4" creationId="{27C79E20-7417-494B-94AD-8AF84BB898E5}"/>
-          </ac:picMkLst>
-        </pc:picChg>
-      </pc:sldChg>
-      <pc:sldChg chg="modSp">
-        <pc:chgData name="Peter Harlan" userId="a82bf2d862d389cf" providerId="LiveId" clId="{09128F19-E640-4E27-89C3-8C062D63F330}" dt="2018-11-02T16:21:06.322" v="836" actId="20577"/>
-        <pc:sldMkLst>
-          <pc:docMk/>
-          <pc:sldMk cId="2872597440" sldId="269"/>
-        </pc:sldMkLst>
-        <pc:spChg chg="mod">
-          <ac:chgData name="Peter Harlan" userId="a82bf2d862d389cf" providerId="LiveId" clId="{09128F19-E640-4E27-89C3-8C062D63F330}" dt="2018-11-02T16:21:06.322" v="836" actId="20577"/>
-          <ac:spMkLst>
-            <pc:docMk/>
-            <pc:sldMk cId="2872597440" sldId="269"/>
-            <ac:spMk id="3" creationId="{00000000-0000-0000-0000-000000000000}"/>
-          </ac:spMkLst>
-        </pc:spChg>
-        <pc:picChg chg="mod">
-          <ac:chgData name="Peter Harlan" userId="a82bf2d862d389cf" providerId="LiveId" clId="{09128F19-E640-4E27-89C3-8C062D63F330}" dt="2018-11-02T16:19:20.418" v="610" actId="1076"/>
-          <ac:picMkLst>
-            <pc:docMk/>
-            <pc:sldMk cId="2872597440" sldId="269"/>
-            <ac:picMk id="5" creationId="{539B01BC-7E4C-4A6A-9C61-3675EDB054D1}"/>
-          </ac:picMkLst>
-        </pc:picChg>
-      </pc:sldChg>
-    </pc:docChg>
-  </pc:docChgLst>
-  <pc:docChgLst>
-    <pc:chgData name="Peter Harlan" userId="a82bf2d862d389cf" providerId="LiveId" clId="{355D77A7-22E5-44D9-8886-432C5873043D}"/>
-    <pc:docChg chg="undo custSel modSld">
-      <pc:chgData name="Peter Harlan" userId="a82bf2d862d389cf" providerId="LiveId" clId="{355D77A7-22E5-44D9-8886-432C5873043D}" dt="2018-11-26T07:37:37.378" v="20" actId="20577"/>
-      <pc:docMkLst>
-        <pc:docMk/>
-      </pc:docMkLst>
-      <pc:sldChg chg="modSp">
-        <pc:chgData name="Peter Harlan" userId="a82bf2d862d389cf" providerId="LiveId" clId="{355D77A7-22E5-44D9-8886-432C5873043D}" dt="2018-11-26T07:37:37.378" v="20" actId="20577"/>
-        <pc:sldMkLst>
-          <pc:docMk/>
-          <pc:sldMk cId="2450968135" sldId="256"/>
-        </pc:sldMkLst>
-        <pc:spChg chg="mod">
-          <ac:chgData name="Peter Harlan" userId="a82bf2d862d389cf" providerId="LiveId" clId="{355D77A7-22E5-44D9-8886-432C5873043D}" dt="2018-11-26T07:37:37.378" v="20" actId="20577"/>
-          <ac:spMkLst>
-            <pc:docMk/>
-            <pc:sldMk cId="2450968135" sldId="256"/>
-            <ac:spMk id="2" creationId="{00000000-0000-0000-0000-000000000000}"/>
-          </ac:spMkLst>
-        </pc:spChg>
-      </pc:sldChg>
-      <pc:sldChg chg="addSp delSp modSp">
-        <pc:chgData name="Peter Harlan" userId="a82bf2d862d389cf" providerId="LiveId" clId="{355D77A7-22E5-44D9-8886-432C5873043D}" dt="2018-11-12T16:29:15.834" v="14" actId="20577"/>
-        <pc:sldMkLst>
-          <pc:docMk/>
-          <pc:sldMk cId="242250864" sldId="266"/>
-        </pc:sldMkLst>
-        <pc:spChg chg="mod">
-          <ac:chgData name="Peter Harlan" userId="a82bf2d862d389cf" providerId="LiveId" clId="{355D77A7-22E5-44D9-8886-432C5873043D}" dt="2018-11-12T16:29:15.834" v="14" actId="20577"/>
-          <ac:spMkLst>
-            <pc:docMk/>
-            <pc:sldMk cId="242250864" sldId="266"/>
-            <ac:spMk id="3" creationId="{00000000-0000-0000-0000-000000000000}"/>
-          </ac:spMkLst>
-        </pc:spChg>
-        <pc:graphicFrameChg chg="add del mod">
-          <ac:chgData name="Peter Harlan" userId="a82bf2d862d389cf" providerId="LiveId" clId="{355D77A7-22E5-44D9-8886-432C5873043D}" dt="2018-11-12T16:25:39.294" v="5" actId="478"/>
-          <ac:graphicFrameMkLst>
-            <pc:docMk/>
-            <pc:sldMk cId="242250864" sldId="266"/>
-            <ac:graphicFrameMk id="4" creationId="{C9E39863-1F97-40B9-BD64-ADECF54F3347}"/>
-          </ac:graphicFrameMkLst>
-        </pc:graphicFrameChg>
       </pc:sldChg>
     </pc:docChg>
   </pc:docChgLst>
@@ -4734,7 +4427,7 @@
           <a:p>
             <a:r>
               <a:rPr lang="en-US" dirty="0"/>
-              <a:t>UFO </a:t>
+              <a:t>UFO Showdown</a:t>
             </a:r>
           </a:p>
         </p:txBody>
@@ -4756,8 +4449,13 @@
           <a:p>
             <a:r>
               <a:rPr lang="en-US" dirty="0"/>
-              <a:t>Presenter: Peter Harlan</a:t>
-            </a:r>
+              <a:t>Presenter: Peter Harlan &amp; Mary </a:t>
+            </a:r>
+            <a:r>
+              <a:rPr lang="en-US" dirty="0" err="1"/>
+              <a:t>Odenthal</a:t>
+            </a:r>
+            <a:endParaRPr lang="en-US" dirty="0"/>
           </a:p>
         </p:txBody>
       </p:sp>
@@ -4843,19 +4541,13 @@
           <a:p>
             <a:r>
               <a:rPr lang="en-US" sz="2800" dirty="0"/>
-              <a:t>UI Design</a:t>
+              <a:t>Algorithm</a:t>
             </a:r>
           </a:p>
           <a:p>
             <a:r>
               <a:rPr lang="en-US" sz="2800" dirty="0"/>
-              <a:t>Main Interface</a:t>
-            </a:r>
-          </a:p>
-          <a:p>
-            <a:r>
-              <a:rPr lang="en-US" sz="2800" dirty="0"/>
-              <a:t>Algorithms</a:t>
+              <a:t>Interface Design</a:t>
             </a:r>
           </a:p>
           <a:p>
@@ -4936,14 +4628,6 @@
 <file path=ppt/slides/slide3.xml><?xml version="1.0" encoding="utf-8"?>
 <p:sld xmlns:a="http://schemas.openxmlformats.org/drawingml/2006/main" xmlns:r="http://schemas.openxmlformats.org/officeDocument/2006/relationships" xmlns:p="http://schemas.openxmlformats.org/presentationml/2006/main">
   <p:cSld>
-    <p:bg>
-      <p:bgPr>
-        <a:solidFill>
-          <a:schemeClr val="bg1"/>
-        </a:solidFill>
-        <a:effectLst/>
-      </p:bgPr>
-    </p:bg>
     <p:spTree>
       <p:nvGrpSpPr>
         <p:cNvPr id="1" name=""/>
@@ -4968,78 +4652,188 @@
             <p:ph type="title"/>
           </p:nvPr>
         </p:nvSpPr>
-        <p:spPr>
-          <a:xfrm>
-            <a:off x="1069848" y="484632"/>
-            <a:ext cx="10058400" cy="1609344"/>
-          </a:xfrm>
-        </p:spPr>
+        <p:spPr/>
+        <p:txBody>
+          <a:bodyPr/>
+          <a:lstStyle/>
+          <a:p>
+            <a:r>
+              <a:rPr lang="en-US" dirty="0"/>
+              <a:t>Implementation (language and etc.)</a:t>
+            </a:r>
+          </a:p>
+        </p:txBody>
+      </p:sp>
+      <p:sp>
+        <p:nvSpPr>
+          <p:cNvPr id="3" name="Content Placeholder 2"/>
+          <p:cNvSpPr>
+            <a:spLocks noGrp="1"/>
+          </p:cNvSpPr>
+          <p:nvPr>
+            <p:ph idx="1"/>
+          </p:nvPr>
+        </p:nvSpPr>
+        <p:spPr/>
         <p:txBody>
           <a:bodyPr>
-            <a:normAutofit/>
+            <a:normAutofit fontScale="92500" lnSpcReduction="10000"/>
           </a:bodyPr>
           <a:lstStyle/>
           <a:p>
             <a:r>
-              <a:rPr lang="en-US" dirty="0"/>
-              <a:t>Implementation (language and etc.)</a:t>
-            </a:r>
+              <a:rPr lang="en-US" sz="2800" dirty="0"/>
+              <a:t>HTML</a:t>
+            </a:r>
+          </a:p>
+          <a:p>
+            <a:pPr lvl="1"/>
+            <a:r>
+              <a:rPr lang="en-US" sz="2400" dirty="0"/>
+              <a:t>Content</a:t>
+            </a:r>
+          </a:p>
+          <a:p>
+            <a:r>
+              <a:rPr lang="en-US" sz="2800" dirty="0"/>
+              <a:t>CSS</a:t>
+            </a:r>
+          </a:p>
+          <a:p>
+            <a:pPr lvl="1"/>
+            <a:r>
+              <a:rPr lang="en-US" sz="2400" dirty="0"/>
+              <a:t>Style </a:t>
+            </a:r>
+          </a:p>
+          <a:p>
+            <a:r>
+              <a:rPr lang="en-US" sz="2800" dirty="0"/>
+              <a:t>JavaScript</a:t>
+            </a:r>
+          </a:p>
+          <a:p>
+            <a:pPr lvl="1"/>
+            <a:r>
+              <a:rPr lang="en-US" sz="2400" dirty="0"/>
+              <a:t>Function </a:t>
+            </a:r>
+          </a:p>
+          <a:p>
+            <a:r>
+              <a:rPr lang="en-US" sz="2800" dirty="0"/>
+              <a:t>JQuery</a:t>
+            </a:r>
+          </a:p>
+          <a:p>
+            <a:pPr lvl="1"/>
+            <a:r>
+              <a:rPr lang="en-US" sz="2400" dirty="0"/>
+              <a:t>Function </a:t>
+            </a:r>
+          </a:p>
+          <a:p>
+            <a:r>
+              <a:rPr lang="en-US" sz="2800" dirty="0"/>
+              <a:t>Bootstrap </a:t>
+            </a:r>
+          </a:p>
+          <a:p>
+            <a:pPr lvl="1"/>
+            <a:r>
+              <a:rPr lang="en-US" sz="2400" dirty="0"/>
+              <a:t>Function and style</a:t>
+            </a:r>
+          </a:p>
+          <a:p>
+            <a:endParaRPr lang="en-US" dirty="0"/>
           </a:p>
         </p:txBody>
       </p:sp>
       <p:pic>
         <p:nvPicPr>
-          <p:cNvPr id="13" name="Content Placeholder 12">
+          <p:cNvPr id="4" name="Picture 3"/>
+          <p:cNvPicPr>
+            <a:picLocks noChangeAspect="1"/>
+          </p:cNvPicPr>
+          <p:nvPr/>
+        </p:nvPicPr>
+        <p:blipFill>
+          <a:blip r:embed="rId2">
             <a:extLst>
-              <a:ext uri="{FF2B5EF4-FFF2-40B4-BE49-F238E27FC236}">
-                <a16:creationId xmlns:a16="http://schemas.microsoft.com/office/drawing/2014/main" id="{3668367F-9873-4DC6-A9E5-2E29C4313767}"/>
+              <a:ext uri="{28A0092B-C50C-407E-A947-70E740481C1C}">
+                <a14:useLocalDpi xmlns:a14="http://schemas.microsoft.com/office/drawing/2010/main" val="0"/>
               </a:ext>
             </a:extLst>
-          </p:cNvPr>
-          <p:cNvPicPr>
-            <a:picLocks noGrp="1" noChangeAspect="1"/>
-          </p:cNvPicPr>
-          <p:nvPr>
-            <p:ph idx="1"/>
-          </p:nvPr>
-        </p:nvPicPr>
-        <p:blipFill>
-          <a:blip r:embed="rId2"/>
+          </a:blip>
           <a:stretch>
             <a:fillRect/>
           </a:stretch>
         </p:blipFill>
         <p:spPr>
           <a:xfrm>
-            <a:off x="5067059" y="2738773"/>
-            <a:ext cx="6061189" cy="2202231"/>
+            <a:off x="4728518" y="1989001"/>
+            <a:ext cx="5939481" cy="2249804"/>
           </a:xfrm>
+          <a:prstGeom prst="rect">
+            <a:avLst/>
+          </a:prstGeom>
         </p:spPr>
       </p:pic>
       <p:pic>
         <p:nvPicPr>
-          <p:cNvPr id="16" name="Picture 15" descr="A close up of a logo&#10;&#10;Description generated with very high confidence">
-            <a:extLst>
-              <a:ext uri="{FF2B5EF4-FFF2-40B4-BE49-F238E27FC236}">
-                <a16:creationId xmlns:a16="http://schemas.microsoft.com/office/drawing/2014/main" id="{CE7F9350-58EA-45F2-8BC6-7178B1729448}"/>
-              </a:ext>
-            </a:extLst>
-          </p:cNvPr>
+          <p:cNvPr id="5" name="Picture 4"/>
           <p:cNvPicPr>
             <a:picLocks noChangeAspect="1"/>
           </p:cNvPicPr>
           <p:nvPr/>
         </p:nvPicPr>
         <p:blipFill>
-          <a:blip r:embed="rId3"/>
+          <a:blip r:embed="rId3">
+            <a:extLst>
+              <a:ext uri="{28A0092B-C50C-407E-A947-70E740481C1C}">
+                <a14:useLocalDpi xmlns:a14="http://schemas.microsoft.com/office/drawing/2010/main" val="0"/>
+              </a:ext>
+            </a:extLst>
+          </a:blip>
           <a:stretch>
             <a:fillRect/>
           </a:stretch>
         </p:blipFill>
         <p:spPr>
           <a:xfrm>
-            <a:off x="1063752" y="2340545"/>
-            <a:ext cx="2998686" cy="2998686"/>
+            <a:off x="5455976" y="4289034"/>
+            <a:ext cx="2242282" cy="1883166"/>
+          </a:xfrm>
+          <a:prstGeom prst="rect">
+            <a:avLst/>
+          </a:prstGeom>
+        </p:spPr>
+      </p:pic>
+      <p:pic>
+        <p:nvPicPr>
+          <p:cNvPr id="6" name="Picture 5"/>
+          <p:cNvPicPr>
+            <a:picLocks noChangeAspect="1"/>
+          </p:cNvPicPr>
+          <p:nvPr/>
+        </p:nvPicPr>
+        <p:blipFill>
+          <a:blip r:embed="rId4">
+            <a:extLst>
+              <a:ext uri="{28A0092B-C50C-407E-A947-70E740481C1C}">
+                <a14:useLocalDpi xmlns:a14="http://schemas.microsoft.com/office/drawing/2010/main" val="0"/>
+              </a:ext>
+            </a:extLst>
+          </a:blip>
+          <a:stretch>
+            <a:fillRect/>
+          </a:stretch>
+        </p:blipFill>
+        <p:spPr>
+          <a:xfrm>
+            <a:off x="8230201" y="4340672"/>
+            <a:ext cx="1796116" cy="1729660"/>
           </a:xfrm>
           <a:prstGeom prst="rect">
             <a:avLst/>
@@ -5086,15 +4880,21 @@
             <p:ph type="title"/>
           </p:nvPr>
         </p:nvSpPr>
-        <p:spPr/>
+        <p:spPr>
+          <a:xfrm>
+            <a:off x="1069848" y="484632"/>
+            <a:ext cx="10058400" cy="1609344"/>
+          </a:xfrm>
+        </p:spPr>
         <p:txBody>
           <a:bodyPr/>
           <a:lstStyle/>
           <a:p>
             <a:r>
-              <a:rPr lang="en-US" dirty="0"/>
-              <a:t>Database Design</a:t>
-            </a:r>
+              <a:rPr lang="en-US"/>
+              <a:t>Implementation (cont.)</a:t>
+            </a:r>
+            <a:endParaRPr lang="en-US" dirty="0"/>
           </a:p>
         </p:txBody>
       </p:sp>
@@ -5111,7 +4911,7 @@
         <p:spPr>
           <a:xfrm>
             <a:off x="1069848" y="2121408"/>
-            <a:ext cx="5475331" cy="4050792"/>
+            <a:ext cx="6702552" cy="4050792"/>
           </a:xfrm>
         </p:spPr>
         <p:txBody>
@@ -5120,124 +4920,57 @@
           </a:bodyPr>
           <a:lstStyle/>
           <a:p>
-            <a:pPr lvl="1"/>
-            <a:r>
-              <a:rPr lang="en-US" sz="2200" dirty="0"/>
-              <a:t>Menu Items</a:t>
-            </a:r>
-          </a:p>
-          <a:p>
-            <a:pPr lvl="2"/>
-            <a:r>
-              <a:rPr lang="en-US" sz="2000" dirty="0"/>
-              <a:t>	</a:t>
-            </a:r>
-            <a:r>
-              <a:rPr lang="en-US" sz="1700" dirty="0"/>
-              <a:t>Description</a:t>
-            </a:r>
-          </a:p>
-          <a:p>
-            <a:pPr lvl="2"/>
-            <a:r>
-              <a:rPr lang="en-US" sz="1700" dirty="0"/>
-              <a:t>	Title</a:t>
-            </a:r>
-          </a:p>
-          <a:p>
-            <a:pPr lvl="2"/>
-            <a:r>
-              <a:rPr lang="en-US" sz="1700" dirty="0"/>
-              <a:t>	Quantity manipulation </a:t>
-            </a:r>
-          </a:p>
-          <a:p>
-            <a:pPr lvl="2"/>
-            <a:r>
-              <a:rPr lang="en-US" sz="1700" dirty="0"/>
-              <a:t>	Price Calculation</a:t>
-            </a:r>
-          </a:p>
-          <a:p>
-            <a:pPr lvl="1"/>
-            <a:r>
-              <a:rPr lang="en-US" sz="2200" dirty="0"/>
-              <a:t>Bill (subtotal w/o tax and tip)</a:t>
-            </a:r>
-          </a:p>
-          <a:p>
-            <a:pPr lvl="1"/>
-            <a:r>
-              <a:rPr lang="en-US" sz="2200" dirty="0"/>
-              <a:t>Tax 6%</a:t>
-            </a:r>
-          </a:p>
-          <a:p>
-            <a:pPr lvl="1"/>
-            <a:r>
-              <a:rPr lang="en-US" sz="2200" dirty="0"/>
-              <a:t>Tip</a:t>
-            </a:r>
-          </a:p>
-          <a:p>
-            <a:pPr lvl="1"/>
-            <a:r>
-              <a:rPr lang="en-US" sz="2200" dirty="0"/>
-              <a:t>Total (sum of everything)</a:t>
-            </a:r>
-          </a:p>
-          <a:p>
-            <a:pPr lvl="1"/>
-            <a:r>
-              <a:rPr lang="en-US" sz="2200" dirty="0"/>
-              <a:t>People Count </a:t>
-            </a:r>
-          </a:p>
-          <a:p>
-            <a:pPr lvl="1"/>
-            <a:r>
-              <a:rPr lang="en-US" sz="2200" dirty="0"/>
-              <a:t>Per Person Cost</a:t>
-            </a:r>
-          </a:p>
-          <a:p>
-            <a:pPr lvl="1"/>
-            <a:r>
-              <a:rPr lang="en-US" sz="2200" dirty="0"/>
-              <a:t>Reset Button </a:t>
-            </a:r>
-          </a:p>
-          <a:p>
-            <a:pPr lvl="1"/>
-            <a:r>
-              <a:rPr lang="en-US" sz="2200" dirty="0"/>
-              <a:t>Tip Slider</a:t>
-            </a:r>
-          </a:p>
-          <a:p>
-            <a:pPr marL="274320" lvl="1" indent="0">
-              <a:buNone/>
-            </a:pPr>
-            <a:endParaRPr lang="en-US" sz="2200" dirty="0"/>
-          </a:p>
-          <a:p>
-            <a:pPr marL="274320" lvl="1" indent="0">
-              <a:buNone/>
-            </a:pPr>
-            <a:endParaRPr lang="en-US" sz="2200" dirty="0"/>
-          </a:p>
-          <a:p>
-            <a:pPr lvl="1"/>
-            <a:endParaRPr lang="en-US" dirty="0"/>
+            <a:r>
+              <a:rPr lang="en-US" sz="2400" dirty="0"/>
+              <a:t>Used a sprite sheet (sliding window to display explosion)</a:t>
+            </a:r>
+          </a:p>
+          <a:p>
+            <a:r>
+              <a:rPr lang="en-US" sz="2400" dirty="0"/>
+              <a:t>Grab x and y coordinates of mouse from listener and used atan2 to get degrees in radian </a:t>
+            </a:r>
+          </a:p>
+          <a:p>
+            <a:r>
+              <a:rPr lang="en-US" sz="2400" dirty="0"/>
+              <a:t>The generated degree used for cannon rotation. </a:t>
+            </a:r>
+          </a:p>
+          <a:p>
+            <a:r>
+              <a:rPr lang="en-US" sz="2400" dirty="0" err="1"/>
+              <a:t>GameArea</a:t>
+            </a:r>
+            <a:r>
+              <a:rPr lang="en-US" sz="2400" dirty="0"/>
+              <a:t> object with awake, clear, and stop functions</a:t>
+            </a:r>
+          </a:p>
+          <a:p>
+            <a:r>
+              <a:rPr lang="en-US" sz="2400" dirty="0"/>
+              <a:t>Components object for each of the element (holds x, y, x1, y1, image, etc.)</a:t>
+            </a:r>
+          </a:p>
+          <a:p>
+            <a:r>
+              <a:rPr lang="en-US" sz="2400" dirty="0" err="1"/>
+              <a:t>FixedUpdate</a:t>
+            </a:r>
+            <a:r>
+              <a:rPr lang="en-US" sz="2400" dirty="0"/>
+              <a:t>() – called every 60ms or .06 of a sec.</a:t>
+            </a:r>
           </a:p>
         </p:txBody>
       </p:sp>
       <p:pic>
         <p:nvPicPr>
-          <p:cNvPr id="4" name="Picture 3">
+          <p:cNvPr id="5" name="Graphic 4" descr="Processor">
             <a:extLst>
               <a:ext uri="{FF2B5EF4-FFF2-40B4-BE49-F238E27FC236}">
-                <a16:creationId xmlns:a16="http://schemas.microsoft.com/office/drawing/2014/main" id="{27C79E20-7417-494B-94AD-8AF84BB898E5}"/>
+                <a16:creationId xmlns:a16="http://schemas.microsoft.com/office/drawing/2014/main" id="{8B323C61-07CB-4396-90C0-EA0DEBA454B0}"/>
               </a:ext>
             </a:extLst>
           </p:cNvPr>
@@ -5247,15 +4980,21 @@
           <p:nvPr/>
         </p:nvPicPr>
         <p:blipFill>
-          <a:blip r:embed="rId2"/>
+          <a:blip r:embed="rId2">
+            <a:extLst>
+              <a:ext uri="{96DAC541-7B7A-43D3-8B79-37D633B846F1}">
+                <asvg:svgBlip xmlns:asvg="http://schemas.microsoft.com/office/drawing/2016/SVG/main" r:embed="rId3"/>
+              </a:ext>
+            </a:extLst>
+          </a:blip>
           <a:stretch>
             <a:fillRect/>
           </a:stretch>
         </p:blipFill>
         <p:spPr>
           <a:xfrm>
-            <a:off x="7369302" y="119062"/>
-            <a:ext cx="3752850" cy="6619875"/>
+            <a:off x="7492181" y="1598858"/>
+            <a:ext cx="4050792" cy="4050792"/>
           </a:xfrm>
           <a:prstGeom prst="rect">
             <a:avLst/>
@@ -5265,7 +5004,7 @@
     </p:spTree>
     <p:extLst>
       <p:ext uri="{BB962C8B-B14F-4D97-AF65-F5344CB8AC3E}">
-        <p14:creationId xmlns:p14="http://schemas.microsoft.com/office/powerpoint/2010/main" val="3877335169"/>
+        <p14:creationId xmlns:p14="http://schemas.microsoft.com/office/powerpoint/2010/main" val="3977685230"/>
       </p:ext>
     </p:extLst>
   </p:cSld>
@@ -5324,45 +5063,47 @@
             <p:ph idx="1"/>
           </p:nvPr>
         </p:nvSpPr>
-        <p:spPr>
-          <a:xfrm>
-            <a:off x="1069848" y="2121408"/>
-            <a:ext cx="6453170" cy="4050792"/>
-          </a:xfrm>
-        </p:spPr>
+        <p:spPr/>
         <p:txBody>
           <a:bodyPr>
             <a:normAutofit/>
           </a:bodyPr>
           <a:lstStyle/>
           <a:p>
+            <a:pPr marL="0" indent="0">
+              <a:buNone/>
+            </a:pPr>
+            <a:r>
+              <a:rPr lang="en-US" sz="2400" b="1" dirty="0"/>
+              <a:t>Awake:</a:t>
+            </a:r>
+          </a:p>
+          <a:p>
             <a:pPr marL="274320" lvl="1" indent="0">
               <a:buNone/>
             </a:pPr>
             <a:r>
-              <a:rPr lang="en-US" sz="2200" dirty="0"/>
-              <a:t>Each menu Item is an object class called food (Inherent from Scriptable object instead of </a:t>
-            </a:r>
-            <a:r>
-              <a:rPr lang="en-US" sz="2200" dirty="0" err="1"/>
-              <a:t>Monobehavior</a:t>
-            </a:r>
-            <a:r>
-              <a:rPr lang="en-US" sz="2200" dirty="0"/>
-              <a:t>)</a:t>
-            </a:r>
+              <a:rPr lang="en-US" sz="2000" dirty="0"/>
+              <a:t>Create/Initialize UI Elements</a:t>
+            </a:r>
+          </a:p>
+          <a:p>
+            <a:pPr marL="0" indent="0">
+              <a:buNone/>
+            </a:pPr>
+            <a:r>
+              <a:rPr lang="en-US" sz="2400" b="1" dirty="0"/>
+              <a:t>Fixed Update:</a:t>
+            </a:r>
+            <a:endParaRPr lang="en-US" sz="2400" dirty="0"/>
           </a:p>
           <a:p>
             <a:pPr marL="274320" lvl="1" indent="0">
               <a:buNone/>
             </a:pPr>
             <a:r>
-              <a:rPr lang="en-US" sz="2200" dirty="0"/>
-              <a:t>	</a:t>
-            </a:r>
-            <a:r>
-              <a:rPr lang="en-US" dirty="0"/>
-              <a:t>Title</a:t>
+              <a:rPr lang="en-US" sz="2000" dirty="0"/>
+              <a:t>If(collision)</a:t>
             </a:r>
           </a:p>
           <a:p>
@@ -5370,8 +5111,8 @@
               <a:buNone/>
             </a:pPr>
             <a:r>
-              <a:rPr lang="en-US" dirty="0"/>
-              <a:t>	Description</a:t>
+              <a:rPr lang="en-US" sz="2000" dirty="0"/>
+              <a:t>	Update score and play collision animation</a:t>
             </a:r>
           </a:p>
           <a:p>
@@ -5379,8 +5120,8 @@
               <a:buNone/>
             </a:pPr>
             <a:r>
-              <a:rPr lang="en-US" dirty="0"/>
-              <a:t>	Quantity</a:t>
+              <a:rPr lang="en-US" sz="2000" dirty="0"/>
+              <a:t>Update UI element positions</a:t>
             </a:r>
           </a:p>
           <a:p>
@@ -5388,17 +5129,27 @@
               <a:buNone/>
             </a:pPr>
             <a:r>
-              <a:rPr lang="en-US" dirty="0"/>
-              <a:t>	Per unit cost</a:t>
-            </a:r>
+              <a:rPr lang="en-US" sz="2000" dirty="0"/>
+              <a:t>Draw the UI elements</a:t>
+            </a:r>
+          </a:p>
+          <a:p>
+            <a:pPr marL="0" lvl="1" indent="17463">
+              <a:buNone/>
+            </a:pPr>
+            <a:r>
+              <a:rPr lang="en-US" sz="2000" b="1" dirty="0"/>
+              <a:t>Interrupts/Listeners</a:t>
+            </a:r>
+            <a:endParaRPr lang="en-US" sz="2000" dirty="0"/>
           </a:p>
           <a:p>
             <a:pPr marL="274320" lvl="1" indent="0">
               <a:buNone/>
             </a:pPr>
             <a:r>
-              <a:rPr lang="en-US" dirty="0"/>
-              <a:t>	Calculated Cost</a:t>
+              <a:rPr lang="en-US" sz="2000" dirty="0"/>
+              <a:t>Mouse click to launch cannon ball</a:t>
             </a:r>
           </a:p>
           <a:p>
@@ -5406,54 +5157,36 @@
               <a:buNone/>
             </a:pPr>
             <a:r>
-              <a:rPr lang="en-US" dirty="0"/>
-              <a:t>	Image</a:t>
-            </a:r>
-          </a:p>
-          <a:p>
-            <a:pPr marL="274320" lvl="1" indent="0">
-              <a:buNone/>
-            </a:pPr>
-            <a:r>
-              <a:rPr lang="en-US" sz="2200" dirty="0"/>
-              <a:t>Create prefab for the general layout</a:t>
-            </a:r>
-          </a:p>
-          <a:p>
-            <a:pPr marL="274320" lvl="1" indent="0">
-              <a:buNone/>
-            </a:pPr>
-            <a:r>
-              <a:rPr lang="en-US" sz="2200" dirty="0"/>
-              <a:t>Instantiate the prefab for unique food items</a:t>
+              <a:rPr lang="en-US" sz="2000" dirty="0"/>
+              <a:t>Mouse drag to change rotation of cannon</a:t>
             </a:r>
           </a:p>
         </p:txBody>
       </p:sp>
       <p:pic>
         <p:nvPicPr>
-          <p:cNvPr id="5" name="Picture 4" descr="A close up of a map&#10;&#10;Description generated with high confidence">
-            <a:extLst>
-              <a:ext uri="{FF2B5EF4-FFF2-40B4-BE49-F238E27FC236}">
-                <a16:creationId xmlns:a16="http://schemas.microsoft.com/office/drawing/2014/main" id="{539B01BC-7E4C-4A6A-9C61-3675EDB054D1}"/>
-              </a:ext>
-            </a:extLst>
-          </p:cNvPr>
+          <p:cNvPr id="8" name="Picture 7"/>
           <p:cNvPicPr>
             <a:picLocks noChangeAspect="1"/>
           </p:cNvPicPr>
           <p:nvPr/>
         </p:nvPicPr>
         <p:blipFill>
-          <a:blip r:embed="rId2"/>
+          <a:blip r:embed="rId2">
+            <a:extLst>
+              <a:ext uri="{28A0092B-C50C-407E-A947-70E740481C1C}">
+                <a14:useLocalDpi xmlns:a14="http://schemas.microsoft.com/office/drawing/2010/main" val="0"/>
+              </a:ext>
+            </a:extLst>
+          </a:blip>
           <a:stretch>
             <a:fillRect/>
           </a:stretch>
         </p:blipFill>
         <p:spPr>
           <a:xfrm>
-            <a:off x="7322478" y="1838325"/>
-            <a:ext cx="4869522" cy="4333875"/>
+            <a:off x="6508924" y="918250"/>
+            <a:ext cx="4736592" cy="4736592"/>
           </a:xfrm>
           <a:prstGeom prst="rect">
             <a:avLst/>
@@ -5463,7 +5196,7 @@
     </p:spTree>
     <p:extLst>
       <p:ext uri="{BB962C8B-B14F-4D97-AF65-F5344CB8AC3E}">
-        <p14:creationId xmlns:p14="http://schemas.microsoft.com/office/powerpoint/2010/main" val="2872597440"/>
+        <p14:creationId xmlns:p14="http://schemas.microsoft.com/office/powerpoint/2010/main" val="3436916353"/>
       </p:ext>
     </p:extLst>
   </p:cSld>
@@ -5474,6 +5207,222 @@
 </file>
 
 <file path=ppt/slides/slide6.xml><?xml version="1.0" encoding="utf-8"?>
+<p:sld xmlns:a="http://schemas.openxmlformats.org/drawingml/2006/main" xmlns:r="http://schemas.openxmlformats.org/officeDocument/2006/relationships" xmlns:p="http://schemas.openxmlformats.org/presentationml/2006/main">
+  <p:cSld>
+    <p:spTree>
+      <p:nvGrpSpPr>
+        <p:cNvPr id="1" name=""/>
+        <p:cNvGrpSpPr/>
+        <p:nvPr/>
+      </p:nvGrpSpPr>
+      <p:grpSpPr>
+        <a:xfrm>
+          <a:off x="0" y="0"/>
+          <a:ext cx="0" cy="0"/>
+          <a:chOff x="0" y="0"/>
+          <a:chExt cx="0" cy="0"/>
+        </a:xfrm>
+      </p:grpSpPr>
+      <p:sp>
+        <p:nvSpPr>
+          <p:cNvPr id="2" name="Title 1"/>
+          <p:cNvSpPr>
+            <a:spLocks noGrp="1"/>
+          </p:cNvSpPr>
+          <p:nvPr>
+            <p:ph type="title"/>
+          </p:nvPr>
+        </p:nvSpPr>
+        <p:spPr/>
+        <p:txBody>
+          <a:bodyPr/>
+          <a:lstStyle/>
+          <a:p>
+            <a:r>
+              <a:rPr lang="en-US" dirty="0"/>
+              <a:t>Interface Design</a:t>
+            </a:r>
+          </a:p>
+        </p:txBody>
+      </p:sp>
+      <p:sp>
+        <p:nvSpPr>
+          <p:cNvPr id="3" name="Content Placeholder 2"/>
+          <p:cNvSpPr>
+            <a:spLocks noGrp="1"/>
+          </p:cNvSpPr>
+          <p:nvPr>
+            <p:ph idx="1"/>
+          </p:nvPr>
+        </p:nvSpPr>
+        <p:spPr>
+          <a:xfrm>
+            <a:off x="5543777" y="2087303"/>
+            <a:ext cx="6040491" cy="4272317"/>
+          </a:xfrm>
+        </p:spPr>
+        <p:txBody>
+          <a:bodyPr>
+            <a:noAutofit/>
+          </a:bodyPr>
+          <a:lstStyle/>
+          <a:p>
+            <a:r>
+              <a:rPr lang="en-US" sz="2800" dirty="0"/>
+              <a:t>Bootstrap </a:t>
+            </a:r>
+          </a:p>
+          <a:p>
+            <a:pPr lvl="1"/>
+            <a:r>
+              <a:rPr lang="en-US" sz="2400" dirty="0"/>
+              <a:t>Grid Layout (row and col classes)</a:t>
+            </a:r>
+          </a:p>
+          <a:p>
+            <a:pPr lvl="1"/>
+            <a:r>
+              <a:rPr lang="en-US" sz="2400" dirty="0"/>
+              <a:t>Desk top responsiveness (scalability)</a:t>
+            </a:r>
+          </a:p>
+          <a:p>
+            <a:pPr lvl="1"/>
+            <a:r>
+              <a:rPr lang="en-US" sz="2400" dirty="0"/>
+              <a:t>Modal </a:t>
+            </a:r>
+          </a:p>
+          <a:p>
+            <a:pPr lvl="1"/>
+            <a:r>
+              <a:rPr lang="en-US" sz="2400" dirty="0"/>
+              <a:t>Align test class</a:t>
+            </a:r>
+          </a:p>
+          <a:p>
+            <a:pPr lvl="1"/>
+            <a:r>
+              <a:rPr lang="en-US" sz="2400" dirty="0"/>
+              <a:t>Button color class (secondary and danger)</a:t>
+            </a:r>
+          </a:p>
+          <a:p>
+            <a:r>
+              <a:rPr lang="en-US" sz="2800" dirty="0"/>
+              <a:t>JQuery </a:t>
+            </a:r>
+          </a:p>
+          <a:p>
+            <a:pPr marL="548640" lvl="2" indent="0">
+              <a:buNone/>
+            </a:pPr>
+            <a:r>
+              <a:rPr lang="en-US" sz="2000" dirty="0"/>
+              <a:t>Listen for clicks </a:t>
+            </a:r>
+          </a:p>
+          <a:p>
+            <a:pPr marL="548640" lvl="2" indent="0">
+              <a:buNone/>
+            </a:pPr>
+            <a:r>
+              <a:rPr lang="en-US" sz="2000" dirty="0"/>
+              <a:t>Get components (shortens .</a:t>
+            </a:r>
+            <a:r>
+              <a:rPr lang="en-US" sz="2000" dirty="0" err="1"/>
+              <a:t>js</a:t>
+            </a:r>
+            <a:r>
+              <a:rPr lang="en-US" sz="2000" dirty="0"/>
+              <a:t> </a:t>
+            </a:r>
+            <a:r>
+              <a:rPr lang="en-US" sz="2000" dirty="0" err="1"/>
+              <a:t>getElementById</a:t>
+            </a:r>
+            <a:r>
+              <a:rPr lang="en-US" sz="2000" dirty="0"/>
+              <a:t>())</a:t>
+            </a:r>
+          </a:p>
+        </p:txBody>
+      </p:sp>
+      <p:pic>
+        <p:nvPicPr>
+          <p:cNvPr id="4" name="Picture 3"/>
+          <p:cNvPicPr>
+            <a:picLocks noChangeAspect="1"/>
+          </p:cNvPicPr>
+          <p:nvPr/>
+        </p:nvPicPr>
+        <p:blipFill>
+          <a:blip r:embed="rId2">
+            <a:extLst>
+              <a:ext uri="{28A0092B-C50C-407E-A947-70E740481C1C}">
+                <a14:useLocalDpi xmlns:a14="http://schemas.microsoft.com/office/drawing/2010/main" val="0"/>
+              </a:ext>
+            </a:extLst>
+          </a:blip>
+          <a:stretch>
+            <a:fillRect/>
+          </a:stretch>
+        </p:blipFill>
+        <p:spPr>
+          <a:xfrm>
+            <a:off x="1836968" y="1754581"/>
+            <a:ext cx="2939690" cy="2468880"/>
+          </a:xfrm>
+          <a:prstGeom prst="rect">
+            <a:avLst/>
+          </a:prstGeom>
+        </p:spPr>
+      </p:pic>
+      <p:pic>
+        <p:nvPicPr>
+          <p:cNvPr id="6" name="Picture 5"/>
+          <p:cNvPicPr>
+            <a:picLocks noChangeAspect="1"/>
+          </p:cNvPicPr>
+          <p:nvPr/>
+        </p:nvPicPr>
+        <p:blipFill>
+          <a:blip r:embed="rId3">
+            <a:extLst>
+              <a:ext uri="{28A0092B-C50C-407E-A947-70E740481C1C}">
+                <a14:useLocalDpi xmlns:a14="http://schemas.microsoft.com/office/drawing/2010/main" val="0"/>
+              </a:ext>
+            </a:extLst>
+          </a:blip>
+          <a:stretch>
+            <a:fillRect/>
+          </a:stretch>
+        </p:blipFill>
+        <p:spPr>
+          <a:xfrm>
+            <a:off x="2145612" y="4383252"/>
+            <a:ext cx="2163510" cy="2083460"/>
+          </a:xfrm>
+          <a:prstGeom prst="rect">
+            <a:avLst/>
+          </a:prstGeom>
+        </p:spPr>
+      </p:pic>
+    </p:spTree>
+    <p:extLst>
+      <p:ext uri="{BB962C8B-B14F-4D97-AF65-F5344CB8AC3E}">
+        <p14:creationId xmlns:p14="http://schemas.microsoft.com/office/powerpoint/2010/main" val="3542075758"/>
+      </p:ext>
+    </p:extLst>
+  </p:cSld>
+  <p:clrMapOvr>
+    <a:masterClrMapping/>
+  </p:clrMapOvr>
+</p:sld>
+</file>
+
+<file path=ppt/slides/slide7.xml><?xml version="1.0" encoding="utf-8"?>
 <p:sld xmlns:a="http://schemas.openxmlformats.org/drawingml/2006/main" xmlns:r="http://schemas.openxmlformats.org/officeDocument/2006/relationships" xmlns:p="http://schemas.openxmlformats.org/presentationml/2006/main">
   <p:cSld>
     <p:bg>
@@ -5500,7 +5449,7 @@
       </p:grpSpPr>
       <p:sp>
         <p:nvSpPr>
-          <p:cNvPr id="27" name="Rectangle 26">
+          <p:cNvPr id="11" name="Rectangle 10">
             <a:extLst>
               <a:ext uri="{FF2B5EF4-FFF2-40B4-BE49-F238E27FC236}">
                 <a16:creationId xmlns:a16="http://schemas.microsoft.com/office/drawing/2014/main" id="{F3AF35CD-DA30-4E34-B0F3-32C27766DA05}"/>
@@ -5606,18 +5555,27 @@
           <a:lstStyle/>
           <a:p>
             <a:r>
+              <a:rPr lang="en-US" sz="3600" dirty="0"/>
+              <a:t>Known</a:t>
+            </a:r>
+            <a:r>
               <a:rPr lang="en-US" sz="3200" dirty="0"/>
-              <a:t>Known Problems</a:t>
-            </a:r>
+              <a:t> </a:t>
+            </a:r>
+            <a:r>
+              <a:rPr lang="en-US" sz="3600" dirty="0"/>
+              <a:t>Problems</a:t>
+            </a:r>
+            <a:endParaRPr lang="en-US" sz="3200" dirty="0"/>
           </a:p>
         </p:txBody>
       </p:sp>
       <p:pic>
         <p:nvPicPr>
-          <p:cNvPr id="9" name="Picture 8">
+          <p:cNvPr id="6" name="Picture 5" descr="A picture containing text, building, person&#10;&#10;Description generated with high confidence">
             <a:extLst>
               <a:ext uri="{FF2B5EF4-FFF2-40B4-BE49-F238E27FC236}">
-                <a16:creationId xmlns:a16="http://schemas.microsoft.com/office/drawing/2014/main" id="{8F902D13-3AD1-4693-AFA9-C9EBBB6957B0}"/>
+                <a16:creationId xmlns:a16="http://schemas.microsoft.com/office/drawing/2014/main" id="{21A21C08-9E5E-4BB2-8516-BB1F0DE6FFA2}"/>
               </a:ext>
             </a:extLst>
           </p:cNvPr>
@@ -5628,13 +5586,13 @@
         </p:nvPicPr>
         <p:blipFill rotWithShape="1">
           <a:blip r:embed="rId4"/>
-          <a:srcRect r="30902" b="2901"/>
+          <a:srcRect r="39225" b="9678"/>
           <a:stretch/>
         </p:blipFill>
         <p:spPr>
           <a:xfrm>
-            <a:off x="633999" y="714102"/>
-            <a:ext cx="6882269" cy="5440056"/>
+            <a:off x="732851" y="640080"/>
+            <a:ext cx="6684564" cy="5588101"/>
           </a:xfrm>
           <a:prstGeom prst="rect">
             <a:avLst/>
@@ -5664,18 +5622,31 @@
           <a:lstStyle/>
           <a:p>
             <a:r>
-              <a:rPr lang="en-US" sz="2800" dirty="0"/>
-              <a:t>Most of the requirements are met except for the one penny difference calculation</a:t>
-            </a:r>
-          </a:p>
-          <a:p>
-            <a:endParaRPr lang="en-US" sz="2800" dirty="0"/>
+              <a:rPr lang="en-US" sz="2400" dirty="0"/>
+              <a:t>Limitation/Unimplemented  Feature </a:t>
+            </a:r>
+          </a:p>
+          <a:p>
+            <a:pPr lvl="1"/>
+            <a:r>
+              <a:rPr lang="en-US" sz="2400" dirty="0"/>
+              <a:t>Although the application scales on a desktop, it does not scale on a mobile device. Need more time with jQuery to address this issue. </a:t>
+            </a:r>
+          </a:p>
+          <a:p>
+            <a:pPr marL="274320" lvl="1" indent="0">
+              <a:buNone/>
+            </a:pPr>
+            <a:endParaRPr lang="en-US" sz="2400" dirty="0"/>
+          </a:p>
+          <a:p>
+            <a:endParaRPr lang="en-US" sz="2400" dirty="0"/>
           </a:p>
         </p:txBody>
       </p:sp>
       <p:grpSp>
         <p:nvGrpSpPr>
-          <p:cNvPr id="29" name="Group 28">
+          <p:cNvPr id="13" name="Group 12">
             <a:extLst>
               <a:ext uri="{FF2B5EF4-FFF2-40B4-BE49-F238E27FC236}">
                 <a16:creationId xmlns:a16="http://schemas.microsoft.com/office/drawing/2014/main" id="{BCFC42DC-2C46-47C4-BC61-530557385DBD}"/>
@@ -5706,7 +5677,7 @@
         </p:grpSpPr>
         <p:sp>
           <p:nvSpPr>
-            <p:cNvPr id="30" name="Oval 29">
+            <p:cNvPr id="14" name="Oval 13">
               <a:extLst>
                 <a:ext uri="{FF2B5EF4-FFF2-40B4-BE49-F238E27FC236}">
                   <a16:creationId xmlns:a16="http://schemas.microsoft.com/office/drawing/2014/main" id="{54B91A37-AA1F-4966-8ACF-93023547DA92}"/>
@@ -5793,7 +5764,7 @@
         </p:sp>
         <p:sp>
           <p:nvSpPr>
-            <p:cNvPr id="31" name="Oval 30">
+            <p:cNvPr id="15" name="Oval 14">
               <a:extLst>
                 <a:ext uri="{FF2B5EF4-FFF2-40B4-BE49-F238E27FC236}">
                   <a16:creationId xmlns:a16="http://schemas.microsoft.com/office/drawing/2014/main" id="{17B17AC5-0931-432F-9A4A-DDCFAA010ABC}"/>
@@ -5881,7 +5852,7 @@
 </p:sld>
 </file>
 
-<file path=ppt/slides/slide7.xml><?xml version="1.0" encoding="utf-8"?>
+<file path=ppt/slides/slide8.xml><?xml version="1.0" encoding="utf-8"?>
 <p:sld xmlns:a="http://schemas.openxmlformats.org/drawingml/2006/main" xmlns:r="http://schemas.openxmlformats.org/officeDocument/2006/relationships" xmlns:p="http://schemas.openxmlformats.org/presentationml/2006/main">
   <p:cSld>
     <p:bg>
@@ -5908,10 +5879,10 @@
       </p:grpSpPr>
       <p:sp>
         <p:nvSpPr>
-          <p:cNvPr id="8" name="Rectangle 7">
+          <p:cNvPr id="37" name="Rectangle 36">
             <a:extLst>
               <a:ext uri="{FF2B5EF4-FFF2-40B4-BE49-F238E27FC236}">
-                <a16:creationId xmlns:a16="http://schemas.microsoft.com/office/drawing/2014/main" id="{9A3D0CE2-91FF-49B3-A5D8-181E900D7501}"/>
+                <a16:creationId xmlns:a16="http://schemas.microsoft.com/office/drawing/2014/main" id="{7049A7D3-684C-4C59-A4B6-7B308A6AD34D}"/>
               </a:ext>
               <a:ext uri="{C183D7F6-B498-43B3-948B-1728B52AA6E4}">
                 <adec:decorative xmlns:adec="http://schemas.microsoft.com/office/drawing/2017/decorative" val="1"/>
@@ -5979,13 +5950,21 @@
             <a:schemeClr val="lt1"/>
           </a:fontRef>
         </p:style>
-      </p:sp>
-      <p:sp>
-        <p:nvSpPr>
-          <p:cNvPr id="10" name="Rectangle 9">
+        <p:txBody>
+          <a:bodyPr rtlCol="0" anchor="ctr"/>
+          <a:lstStyle/>
+          <a:p>
+            <a:pPr algn="ctr"/>
+            <a:endParaRPr lang="en-US"/>
+          </a:p>
+        </p:txBody>
+      </p:sp>
+      <p:sp>
+        <p:nvSpPr>
+          <p:cNvPr id="39" name="Rectangle 38">
             <a:extLst>
               <a:ext uri="{FF2B5EF4-FFF2-40B4-BE49-F238E27FC236}">
-                <a16:creationId xmlns:a16="http://schemas.microsoft.com/office/drawing/2014/main" id="{58AEBD96-C315-4F53-9D9E-0E20E993EBFA}"/>
+                <a16:creationId xmlns:a16="http://schemas.microsoft.com/office/drawing/2014/main" id="{D7B1087B-C592-40E7-B532-60B453A2FE6A}"/>
               </a:ext>
               <a:ext uri="{C183D7F6-B498-43B3-948B-1728B52AA6E4}">
                 <adec:decorative xmlns:adec="http://schemas.microsoft.com/office/drawing/2017/decorative" val="1"/>
@@ -6053,13 +6032,21 @@
             <a:schemeClr val="lt1"/>
           </a:fontRef>
         </p:style>
-      </p:sp>
-      <p:sp>
-        <p:nvSpPr>
-          <p:cNvPr id="12" name="Rectangle 11">
+        <p:txBody>
+          <a:bodyPr rtlCol="0" anchor="ctr"/>
+          <a:lstStyle/>
+          <a:p>
+            <a:pPr algn="ctr"/>
+            <a:endParaRPr lang="en-US"/>
+          </a:p>
+        </p:txBody>
+      </p:sp>
+      <p:sp>
+        <p:nvSpPr>
+          <p:cNvPr id="41" name="Rectangle 40">
             <a:extLst>
               <a:ext uri="{FF2B5EF4-FFF2-40B4-BE49-F238E27FC236}">
-                <a16:creationId xmlns:a16="http://schemas.microsoft.com/office/drawing/2014/main" id="{78916AAA-66F6-4DFA-88ED-7E27CF6B8DAD}"/>
+                <a16:creationId xmlns:a16="http://schemas.microsoft.com/office/drawing/2014/main" id="{14AE7447-E8F8-4A0F-9E3D-94842BFF886E}"/>
               </a:ext>
               <a:ext uri="{C183D7F6-B498-43B3-948B-1728B52AA6E4}">
                 <adec:decorative xmlns:adec="http://schemas.microsoft.com/office/drawing/2017/decorative" val="1"/>
@@ -6127,13 +6114,21 @@
             <a:schemeClr val="lt1"/>
           </a:fontRef>
         </p:style>
+        <p:txBody>
+          <a:bodyPr rtlCol="0" anchor="ctr"/>
+          <a:lstStyle/>
+          <a:p>
+            <a:pPr algn="ctr"/>
+            <a:endParaRPr lang="en-US"/>
+          </a:p>
+        </p:txBody>
       </p:sp>
       <p:grpSp>
         <p:nvGrpSpPr>
-          <p:cNvPr id="14" name="Group 13">
+          <p:cNvPr id="43" name="Group 42">
             <a:extLst>
               <a:ext uri="{FF2B5EF4-FFF2-40B4-BE49-F238E27FC236}">
-                <a16:creationId xmlns:a16="http://schemas.microsoft.com/office/drawing/2014/main" id="{A137D43F-BAD6-47F1-AA65-AEEA38A2FF30}"/>
+                <a16:creationId xmlns:a16="http://schemas.microsoft.com/office/drawing/2014/main" id="{85981F80-69EE-4E2B-82A8-47FDFD7720AC}"/>
               </a:ext>
               <a:ext uri="{C183D7F6-B498-43B3-948B-1728B52AA6E4}">
                 <adec:decorative xmlns:adec="http://schemas.microsoft.com/office/drawing/2017/decorative" val="1"/>
@@ -6161,10 +6156,10 @@
         </p:grpSpPr>
         <p:sp>
           <p:nvSpPr>
-            <p:cNvPr id="15" name="Oval 14">
+            <p:cNvPr id="44" name="Oval 43">
               <a:extLst>
                 <a:ext uri="{FF2B5EF4-FFF2-40B4-BE49-F238E27FC236}">
-                  <a16:creationId xmlns:a16="http://schemas.microsoft.com/office/drawing/2014/main" id="{D512C9B2-6B22-4211-A940-FCD7C2CD0BEA}"/>
+                  <a16:creationId xmlns:a16="http://schemas.microsoft.com/office/drawing/2014/main" id="{46CE0473-0B07-47EE-A016-EBD87F2C8C9C}"/>
                 </a:ext>
                 <a:ext uri="{C183D7F6-B498-43B3-948B-1728B52AA6E4}">
                   <adec:decorative xmlns:adec="http://schemas.microsoft.com/office/drawing/2017/decorative" val="1"/>
@@ -6218,13 +6213,50 @@
             </a:ln>
             <a:effectLst/>
           </p:spPr>
+          <p:txBody>
+            <a:bodyPr lIns="0" tIns="0" rIns="0" bIns="0" rtlCol="0" anchor="ctr"/>
+            <a:lstStyle/>
+            <a:p>
+              <a:pPr marL="0" marR="0" lvl="0" indent="0" algn="ctr" defTabSz="914400" eaLnBrk="1" fontAlgn="auto" latinLnBrk="0" hangingPunct="1">
+                <a:lnSpc>
+                  <a:spcPct val="100000"/>
+                </a:lnSpc>
+                <a:spcBef>
+                  <a:spcPts val="0"/>
+                </a:spcBef>
+                <a:spcAft>
+                  <a:spcPts val="0"/>
+                </a:spcAft>
+                <a:buClrTx/>
+                <a:buSzTx/>
+                <a:buFontTx/>
+                <a:buNone/>
+                <a:tabLst/>
+                <a:defRPr/>
+              </a:pPr>
+              <a:endParaRPr kumimoji="0" lang="en-US" sz="2000" b="0" i="0" u="none" strike="noStrike" kern="0" cap="none" spc="0" normalizeH="0" baseline="0" noProof="0" dirty="0">
+                <a:ln>
+                  <a:noFill/>
+                </a:ln>
+                <a:solidFill>
+                  <a:prstClr val="white"/>
+                </a:solidFill>
+                <a:effectLst/>
+                <a:uLnTx/>
+                <a:uFillTx/>
+                <a:latin typeface="Rockwell Extra Bold" pitchFamily="18" charset="0"/>
+                <a:ea typeface="+mn-ea"/>
+                <a:cs typeface="+mn-cs"/>
+              </a:endParaRPr>
+            </a:p>
+          </p:txBody>
         </p:sp>
         <p:sp>
           <p:nvSpPr>
-            <p:cNvPr id="16" name="Oval 15">
+            <p:cNvPr id="45" name="Oval 44">
               <a:extLst>
                 <a:ext uri="{FF2B5EF4-FFF2-40B4-BE49-F238E27FC236}">
-                  <a16:creationId xmlns:a16="http://schemas.microsoft.com/office/drawing/2014/main" id="{85F7DB84-CDE7-46F8-90DD-9D048A7D52D1}"/>
+                  <a16:creationId xmlns:a16="http://schemas.microsoft.com/office/drawing/2014/main" id="{EDD0D1E4-DFCA-4DF0-9D37-571A5F529F0A}"/>
                 </a:ext>
                 <a:ext uri="{C183D7F6-B498-43B3-948B-1728B52AA6E4}">
                   <adec:decorative xmlns:adec="http://schemas.microsoft.com/office/drawing/2017/decorative" val="1"/>
@@ -6257,14 +6289,51 @@
             </a:ln>
             <a:effectLst/>
           </p:spPr>
+          <p:txBody>
+            <a:bodyPr rtlCol="0" anchor="ctr"/>
+            <a:lstStyle/>
+            <a:p>
+              <a:pPr marL="0" marR="0" lvl="0" indent="0" algn="ctr" defTabSz="914400" eaLnBrk="1" fontAlgn="auto" latinLnBrk="0" hangingPunct="1">
+                <a:lnSpc>
+                  <a:spcPct val="100000"/>
+                </a:lnSpc>
+                <a:spcBef>
+                  <a:spcPts val="0"/>
+                </a:spcBef>
+                <a:spcAft>
+                  <a:spcPts val="0"/>
+                </a:spcAft>
+                <a:buClrTx/>
+                <a:buSzTx/>
+                <a:buFontTx/>
+                <a:buNone/>
+                <a:tabLst/>
+                <a:defRPr/>
+              </a:pPr>
+              <a:endParaRPr kumimoji="0" lang="en-US" sz="1800" b="0" i="0" u="none" strike="noStrike" kern="0" cap="none" spc="0" normalizeH="0" baseline="0" noProof="0" dirty="0">
+                <a:ln>
+                  <a:noFill/>
+                </a:ln>
+                <a:solidFill>
+                  <a:prstClr val="white"/>
+                </a:solidFill>
+                <a:effectLst/>
+                <a:uLnTx/>
+                <a:uFillTx/>
+                <a:latin typeface="Calibri"/>
+                <a:ea typeface="+mn-ea"/>
+                <a:cs typeface="+mn-cs"/>
+              </a:endParaRPr>
+            </a:p>
+          </p:txBody>
         </p:sp>
       </p:grpSp>
-      <p:sp>
-        <p:nvSpPr>
-          <p:cNvPr id="18" name="Rectangle 17">
+      <p:sp useBgFill="1">
+        <p:nvSpPr>
+          <p:cNvPr id="47" name="Rectangle 46">
             <a:extLst>
               <a:ext uri="{FF2B5EF4-FFF2-40B4-BE49-F238E27FC236}">
-                <a16:creationId xmlns:a16="http://schemas.microsoft.com/office/drawing/2014/main" id="{48FDEBDB-5859-4B9E-8810-2C5CFED093F3}"/>
+                <a16:creationId xmlns:a16="http://schemas.microsoft.com/office/drawing/2014/main" id="{FF0965A7-524A-44F1-B044-48411EA4FD85}"/>
               </a:ext>
               <a:ext uri="{C183D7F6-B498-43B3-948B-1728B52AA6E4}">
                 <adec:decorative xmlns:adec="http://schemas.microsoft.com/office/drawing/2017/decorative" val="1"/>
@@ -6282,17 +6351,14 @@
             </p:extLst>
           </p:nvPr>
         </p:nvSpPr>
-        <p:spPr>
+        <p:spPr bwMode="white">
           <a:xfrm>
             <a:off x="0" y="0"/>
-            <a:ext cx="12188952" cy="6858000"/>
+            <a:ext cx="12188952" cy="6858001"/>
           </a:xfrm>
           <a:prstGeom prst="rect">
             <a:avLst/>
           </a:prstGeom>
-          <a:solidFill>
-            <a:schemeClr val="accent1"/>
-          </a:solidFill>
           <a:ln>
             <a:noFill/>
           </a:ln>
@@ -6314,8 +6380,107 @@
           </a:fontRef>
         </p:style>
         <p:txBody>
-          <a:bodyPr rtlCol="0" anchor="ctr"/>
-          <a:lstStyle/>
+          <a:bodyPr rot="0" spcFirstLastPara="0" vert="horz" wrap="square" lIns="91440" tIns="45720" rIns="91440" bIns="45720" numCol="1" spcCol="0" rtlCol="0" fromWordArt="0" anchor="ctr" anchorCtr="0" forceAA="0" compatLnSpc="1">
+            <a:prstTxWarp prst="textNoShape">
+              <a:avLst/>
+            </a:prstTxWarp>
+            <a:noAutofit/>
+          </a:bodyPr>
+          <a:lstStyle>
+            <a:defPPr>
+              <a:defRPr lang="en-US"/>
+            </a:defPPr>
+            <a:lvl1pPr marL="0" algn="l" defTabSz="914400" rtl="0" eaLnBrk="1" latinLnBrk="0" hangingPunct="1">
+              <a:defRPr sz="1800" kern="1200">
+                <a:solidFill>
+                  <a:schemeClr val="lt1"/>
+                </a:solidFill>
+                <a:latin typeface="+mn-lt"/>
+                <a:ea typeface="+mn-ea"/>
+                <a:cs typeface="+mn-cs"/>
+              </a:defRPr>
+            </a:lvl1pPr>
+            <a:lvl2pPr marL="457200" algn="l" defTabSz="914400" rtl="0" eaLnBrk="1" latinLnBrk="0" hangingPunct="1">
+              <a:defRPr sz="1800" kern="1200">
+                <a:solidFill>
+                  <a:schemeClr val="lt1"/>
+                </a:solidFill>
+                <a:latin typeface="+mn-lt"/>
+                <a:ea typeface="+mn-ea"/>
+                <a:cs typeface="+mn-cs"/>
+              </a:defRPr>
+            </a:lvl2pPr>
+            <a:lvl3pPr marL="914400" algn="l" defTabSz="914400" rtl="0" eaLnBrk="1" latinLnBrk="0" hangingPunct="1">
+              <a:defRPr sz="1800" kern="1200">
+                <a:solidFill>
+                  <a:schemeClr val="lt1"/>
+                </a:solidFill>
+                <a:latin typeface="+mn-lt"/>
+                <a:ea typeface="+mn-ea"/>
+                <a:cs typeface="+mn-cs"/>
+              </a:defRPr>
+            </a:lvl3pPr>
+            <a:lvl4pPr marL="1371600" algn="l" defTabSz="914400" rtl="0" eaLnBrk="1" latinLnBrk="0" hangingPunct="1">
+              <a:defRPr sz="1800" kern="1200">
+                <a:solidFill>
+                  <a:schemeClr val="lt1"/>
+                </a:solidFill>
+                <a:latin typeface="+mn-lt"/>
+                <a:ea typeface="+mn-ea"/>
+                <a:cs typeface="+mn-cs"/>
+              </a:defRPr>
+            </a:lvl4pPr>
+            <a:lvl5pPr marL="1828800" algn="l" defTabSz="914400" rtl="0" eaLnBrk="1" latinLnBrk="0" hangingPunct="1">
+              <a:defRPr sz="1800" kern="1200">
+                <a:solidFill>
+                  <a:schemeClr val="lt1"/>
+                </a:solidFill>
+                <a:latin typeface="+mn-lt"/>
+                <a:ea typeface="+mn-ea"/>
+                <a:cs typeface="+mn-cs"/>
+              </a:defRPr>
+            </a:lvl5pPr>
+            <a:lvl6pPr marL="2286000" algn="l" defTabSz="914400" rtl="0" eaLnBrk="1" latinLnBrk="0" hangingPunct="1">
+              <a:defRPr sz="1800" kern="1200">
+                <a:solidFill>
+                  <a:schemeClr val="lt1"/>
+                </a:solidFill>
+                <a:latin typeface="+mn-lt"/>
+                <a:ea typeface="+mn-ea"/>
+                <a:cs typeface="+mn-cs"/>
+              </a:defRPr>
+            </a:lvl6pPr>
+            <a:lvl7pPr marL="2743200" algn="l" defTabSz="914400" rtl="0" eaLnBrk="1" latinLnBrk="0" hangingPunct="1">
+              <a:defRPr sz="1800" kern="1200">
+                <a:solidFill>
+                  <a:schemeClr val="lt1"/>
+                </a:solidFill>
+                <a:latin typeface="+mn-lt"/>
+                <a:ea typeface="+mn-ea"/>
+                <a:cs typeface="+mn-cs"/>
+              </a:defRPr>
+            </a:lvl7pPr>
+            <a:lvl8pPr marL="3200400" algn="l" defTabSz="914400" rtl="0" eaLnBrk="1" latinLnBrk="0" hangingPunct="1">
+              <a:defRPr sz="1800" kern="1200">
+                <a:solidFill>
+                  <a:schemeClr val="lt1"/>
+                </a:solidFill>
+                <a:latin typeface="+mn-lt"/>
+                <a:ea typeface="+mn-ea"/>
+                <a:cs typeface="+mn-cs"/>
+              </a:defRPr>
+            </a:lvl8pPr>
+            <a:lvl9pPr marL="3657600" algn="l" defTabSz="914400" rtl="0" eaLnBrk="1" latinLnBrk="0" hangingPunct="1">
+              <a:defRPr sz="1800" kern="1200">
+                <a:solidFill>
+                  <a:schemeClr val="lt1"/>
+                </a:solidFill>
+                <a:latin typeface="+mn-lt"/>
+                <a:ea typeface="+mn-ea"/>
+                <a:cs typeface="+mn-cs"/>
+              </a:defRPr>
+            </a:lvl9pPr>
+          </a:lstStyle>
           <a:p>
             <a:pPr algn="ctr"/>
             <a:endParaRPr lang="en-US"/>
@@ -6324,53 +6489,19 @@
       </p:sp>
       <p:sp>
         <p:nvSpPr>
-          <p:cNvPr id="2" name="Title 1"/>
-          <p:cNvSpPr>
-            <a:spLocks noGrp="1"/>
-          </p:cNvSpPr>
-          <p:nvPr>
-            <p:ph type="title"/>
-          </p:nvPr>
-        </p:nvSpPr>
-        <p:spPr>
-          <a:xfrm>
-            <a:off x="1051560" y="942975"/>
-            <a:ext cx="9966960" cy="3525056"/>
-          </a:xfrm>
-        </p:spPr>
-        <p:txBody>
-          <a:bodyPr vert="horz" lIns="91440" tIns="45720" rIns="91440" bIns="45720" rtlCol="0" anchor="b">
-            <a:normAutofit/>
-          </a:bodyPr>
-          <a:lstStyle/>
-          <a:p>
-            <a:pPr algn="ctr"/>
-            <a:r>
-              <a:rPr lang="en-US" sz="9600">
-                <a:solidFill>
-                  <a:srgbClr val="FFFFFF"/>
-                </a:solidFill>
-              </a:rPr>
-              <a:t>Demo</a:t>
-            </a:r>
-          </a:p>
-        </p:txBody>
-      </p:sp>
-      <p:cxnSp>
-        <p:nvCxnSpPr>
-          <p:cNvPr id="20" name="Straight Connector 19">
+          <p:cNvPr id="49" name="Rectangle 48">
             <a:extLst>
               <a:ext uri="{FF2B5EF4-FFF2-40B4-BE49-F238E27FC236}">
-                <a16:creationId xmlns:a16="http://schemas.microsoft.com/office/drawing/2014/main" id="{B1D1A340-723B-4014-B5FE-204F06273136}"/>
+                <a16:creationId xmlns:a16="http://schemas.microsoft.com/office/drawing/2014/main" id="{58EE5433-7B78-4432-965F-8790C3F425BE}"/>
               </a:ext>
               <a:ext uri="{C183D7F6-B498-43B3-948B-1728B52AA6E4}">
                 <adec:decorative xmlns:adec="http://schemas.microsoft.com/office/drawing/2017/decorative" val="1"/>
               </a:ext>
             </a:extLst>
           </p:cNvPr>
-          <p:cNvCxnSpPr>
-            <a:cxnSpLocks noGrp="1" noRot="1" noChangeAspect="1" noMove="1" noResize="1" noEditPoints="1" noAdjustHandles="1" noChangeArrowheads="1" noChangeShapeType="1"/>
-          </p:cNvCxnSpPr>
+          <p:cNvSpPr>
+            <a:spLocks noGrp="1" noRot="1" noChangeAspect="1" noMove="1" noResize="1" noEditPoints="1" noAdjustHandles="1" noChangeArrowheads="1" noChangeShapeType="1" noTextEdit="1"/>
+          </p:cNvSpPr>
           <p:nvPr>
             <p:extLst>
               <p:ext uri="{386F3935-93C4-4BCD-93E2-E3B085C9AB24}">
@@ -6378,44 +6509,191 @@
               </p:ext>
             </p:extLst>
           </p:nvPr>
-        </p:nvCxnSpPr>
+        </p:nvSpPr>
         <p:spPr>
           <a:xfrm>
-            <a:off x="1524000" y="4558589"/>
-            <a:ext cx="9144000" cy="0"/>
+            <a:off x="641604" y="653241"/>
+            <a:ext cx="10908792" cy="80683"/>
           </a:xfrm>
-          <a:prstGeom prst="line">
+          <a:prstGeom prst="rect">
             <a:avLst/>
           </a:prstGeom>
-          <a:ln w="28575">
-            <a:solidFill>
-              <a:srgbClr val="FFFFFF">
-                <a:alpha val="50000"/>
-              </a:srgbClr>
-            </a:solidFill>
+          <a:blipFill dpi="0" rotWithShape="1">
+            <a:blip r:embed="rId2">
+              <a:alphaModFix amt="85000"/>
+              <a:lum bright="70000" contrast="-70000"/>
+              <a:extLst>
+                <a:ext uri="{BEBA8EAE-BF5A-486C-A8C5-ECC9F3942E4B}">
+                  <a14:imgProps xmlns:a14="http://schemas.microsoft.com/office/drawing/2010/main">
+                    <a14:imgLayer r:embed="rId3">
+                      <a14:imgEffect>
+                        <a14:sharpenSoften amount="61000"/>
+                      </a14:imgEffect>
+                    </a14:imgLayer>
+                  </a14:imgProps>
+                </a:ext>
+                <a:ext uri="{28A0092B-C50C-407E-A947-70E740481C1C}">
+                  <a14:useLocalDpi xmlns:a14="http://schemas.microsoft.com/office/drawing/2010/main" val="0"/>
+                </a:ext>
+              </a:extLst>
+            </a:blip>
+            <a:srcRect/>
+            <a:tile tx="0" ty="-762000" sx="92000" sy="89000" flip="xy" algn="ctr"/>
+          </a:blipFill>
+          <a:ln>
+            <a:noFill/>
           </a:ln>
         </p:spPr>
         <p:style>
-          <a:lnRef idx="1">
-            <a:schemeClr val="accent1"/>
+          <a:lnRef idx="2">
+            <a:schemeClr val="accent1">
+              <a:shade val="50000"/>
+            </a:schemeClr>
           </a:lnRef>
-          <a:fillRef idx="0">
+          <a:fillRef idx="1">
             <a:schemeClr val="accent1"/>
           </a:fillRef>
           <a:effectRef idx="0">
             <a:schemeClr val="accent1"/>
           </a:effectRef>
           <a:fontRef idx="minor">
-            <a:schemeClr val="tx1"/>
+            <a:schemeClr val="lt1"/>
           </a:fontRef>
         </p:style>
-      </p:cxnSp>
+        <p:txBody>
+          <a:bodyPr rtlCol="0" anchor="ctr"/>
+          <a:lstStyle/>
+          <a:p>
+            <a:pPr algn="ctr"/>
+            <a:endParaRPr lang="en-US"/>
+          </a:p>
+        </p:txBody>
+      </p:sp>
+      <p:sp>
+        <p:nvSpPr>
+          <p:cNvPr id="51" name="Rectangle 50">
+            <a:extLst>
+              <a:ext uri="{FF2B5EF4-FFF2-40B4-BE49-F238E27FC236}">
+                <a16:creationId xmlns:a16="http://schemas.microsoft.com/office/drawing/2014/main" id="{8F7AAA96-ECD9-48EA-B942-1172BB519BB0}"/>
+              </a:ext>
+              <a:ext uri="{C183D7F6-B498-43B3-948B-1728B52AA6E4}">
+                <adec:decorative xmlns:adec="http://schemas.microsoft.com/office/drawing/2017/decorative" val="1"/>
+              </a:ext>
+            </a:extLst>
+          </p:cNvPr>
+          <p:cNvSpPr>
+            <a:spLocks noGrp="1" noRot="1" noChangeAspect="1" noMove="1" noResize="1" noEditPoints="1" noAdjustHandles="1" noChangeArrowheads="1" noChangeShapeType="1" noTextEdit="1"/>
+          </p:cNvSpPr>
+          <p:nvPr>
+            <p:extLst>
+              <p:ext uri="{386F3935-93C4-4BCD-93E2-E3B085C9AB24}">
+                <p16:designElem xmlns:p16="http://schemas.microsoft.com/office/powerpoint/2015/main" val="1"/>
+              </p:ext>
+            </p:extLst>
+          </p:nvPr>
+        </p:nvSpPr>
+        <p:spPr>
+          <a:xfrm>
+            <a:off x="6400801" y="822325"/>
+            <a:ext cx="5149596" cy="4846228"/>
+          </a:xfrm>
+          <a:prstGeom prst="rect">
+            <a:avLst/>
+          </a:prstGeom>
+          <a:blipFill dpi="0" rotWithShape="1">
+            <a:blip r:embed="rId2">
+              <a:alphaModFix amt="85000"/>
+              <a:lum bright="70000" contrast="-70000"/>
+              <a:extLst>
+                <a:ext uri="{BEBA8EAE-BF5A-486C-A8C5-ECC9F3942E4B}">
+                  <a14:imgProps xmlns:a14="http://schemas.microsoft.com/office/drawing/2010/main">
+                    <a14:imgLayer r:embed="rId3">
+                      <a14:imgEffect>
+                        <a14:sharpenSoften amount="61000"/>
+                      </a14:imgEffect>
+                    </a14:imgLayer>
+                  </a14:imgProps>
+                </a:ext>
+                <a:ext uri="{28A0092B-C50C-407E-A947-70E740481C1C}">
+                  <a14:useLocalDpi xmlns:a14="http://schemas.microsoft.com/office/drawing/2010/main" val="0"/>
+                </a:ext>
+              </a:extLst>
+            </a:blip>
+            <a:srcRect/>
+            <a:tile tx="0" ty="-704850" sx="92000" sy="89000" flip="xy" algn="ctr"/>
+          </a:blipFill>
+          <a:ln>
+            <a:noFill/>
+          </a:ln>
+        </p:spPr>
+        <p:style>
+          <a:lnRef idx="2">
+            <a:schemeClr val="accent1">
+              <a:shade val="50000"/>
+            </a:schemeClr>
+          </a:lnRef>
+          <a:fillRef idx="1">
+            <a:schemeClr val="accent1"/>
+          </a:fillRef>
+          <a:effectRef idx="0">
+            <a:schemeClr val="accent1"/>
+          </a:effectRef>
+          <a:fontRef idx="minor">
+            <a:schemeClr val="lt1"/>
+          </a:fontRef>
+        </p:style>
+        <p:txBody>
+          <a:bodyPr rtlCol="0" anchor="ctr"/>
+          <a:lstStyle/>
+          <a:p>
+            <a:pPr algn="ctr"/>
+            <a:endParaRPr lang="en-US"/>
+          </a:p>
+        </p:txBody>
+      </p:sp>
+      <p:sp>
+        <p:nvSpPr>
+          <p:cNvPr id="2" name="Title 1"/>
+          <p:cNvSpPr>
+            <a:spLocks noGrp="1"/>
+          </p:cNvSpPr>
+          <p:nvPr>
+            <p:ph type="title"/>
+          </p:nvPr>
+        </p:nvSpPr>
+        <p:spPr>
+          <a:xfrm>
+            <a:off x="6713220" y="1054100"/>
+            <a:ext cx="4615180" cy="3736099"/>
+          </a:xfrm>
+        </p:spPr>
+        <p:txBody>
+          <a:bodyPr vert="horz" lIns="91440" tIns="45720" rIns="91440" bIns="45720" rtlCol="0" anchor="ctr">
+            <a:normAutofit/>
+          </a:bodyPr>
+          <a:lstStyle/>
+          <a:p>
+            <a:r>
+              <a:rPr lang="en-US">
+                <a:blipFill dpi="0" rotWithShape="1">
+                  <a:blip r:embed="rId4">
+                    <a:extLst/>
+                  </a:blip>
+                  <a:srcRect/>
+                  <a:tile tx="6350" ty="-127000" sx="65000" sy="64000" flip="none" algn="tl"/>
+                </a:blipFill>
+              </a:rPr>
+              <a:t>Demo</a:t>
+            </a:r>
+          </a:p>
+        </p:txBody>
+      </p:sp>
       <p:sp>
         <p:nvSpPr>
           <p:cNvPr id="6" name="Text Placeholder 5">
             <a:extLst>
               <a:ext uri="{FF2B5EF4-FFF2-40B4-BE49-F238E27FC236}">
-                <a16:creationId xmlns:a16="http://schemas.microsoft.com/office/drawing/2014/main" id="{58B94BD8-F852-436B-B5B5-996084449CB8}"/>
+                <a16:creationId xmlns:a16="http://schemas.microsoft.com/office/drawing/2014/main" id="{553582C2-E4D2-4348-9A90-901BA6FD4034}"/>
               </a:ext>
             </a:extLst>
           </p:cNvPr>
@@ -6426,15 +6704,333 @@
             <p:ph type="body" idx="1"/>
           </p:nvPr>
         </p:nvSpPr>
-        <p:spPr/>
-        <p:txBody>
-          <a:bodyPr/>
+        <p:spPr>
+          <a:xfrm>
+            <a:off x="6713220" y="4790199"/>
+            <a:ext cx="4615180" cy="668769"/>
+          </a:xfrm>
+        </p:spPr>
+        <p:txBody>
+          <a:bodyPr vert="horz" lIns="91440" tIns="45720" rIns="91440" bIns="45720" rtlCol="0">
+            <a:normAutofit/>
+          </a:bodyPr>
           <a:lstStyle/>
           <a:p>
+            <a:endParaRPr lang="en-US">
+              <a:solidFill>
+                <a:srgbClr val="000000"/>
+              </a:solidFill>
+            </a:endParaRPr>
+          </a:p>
+        </p:txBody>
+      </p:sp>
+      <p:pic>
+        <p:nvPicPr>
+          <p:cNvPr id="7" name="Picture 6">
+            <a:hlinkClick r:id="rId6"/>
+            <a:extLst>
+              <a:ext uri="{FF2B5EF4-FFF2-40B4-BE49-F238E27FC236}">
+                <a16:creationId xmlns:a16="http://schemas.microsoft.com/office/drawing/2014/main" id="{EBEB9678-F9CA-45AB-9145-61AE7AFFBE76}"/>
+              </a:ext>
+            </a:extLst>
+          </p:cNvPr>
+          <p:cNvPicPr>
+            <a:picLocks noChangeAspect="1"/>
+          </p:cNvPicPr>
+          <p:nvPr/>
+        </p:nvPicPr>
+        <p:blipFill rotWithShape="1">
+          <a:blip r:embed="rId7"/>
+          <a:srcRect l="-1" t="725" r="584"/>
+          <a:stretch/>
+        </p:blipFill>
+        <p:spPr>
+          <a:xfrm>
+            <a:off x="805848" y="1054100"/>
+            <a:ext cx="5118302" cy="4382677"/>
+          </a:xfrm>
+          <a:prstGeom prst="rect">
+            <a:avLst/>
+          </a:prstGeom>
+        </p:spPr>
+      </p:pic>
+      <p:sp>
+        <p:nvSpPr>
+          <p:cNvPr id="53" name="Rectangle 52">
+            <a:extLst>
+              <a:ext uri="{FF2B5EF4-FFF2-40B4-BE49-F238E27FC236}">
+                <a16:creationId xmlns:a16="http://schemas.microsoft.com/office/drawing/2014/main" id="{248BD5A8-902E-46F3-9C9F-F939987C5E32}"/>
+              </a:ext>
+              <a:ext uri="{C183D7F6-B498-43B3-948B-1728B52AA6E4}">
+                <adec:decorative xmlns:adec="http://schemas.microsoft.com/office/drawing/2017/decorative" val="1"/>
+              </a:ext>
+            </a:extLst>
+          </p:cNvPr>
+          <p:cNvSpPr>
+            <a:spLocks noGrp="1" noRot="1" noChangeAspect="1" noMove="1" noResize="1" noEditPoints="1" noAdjustHandles="1" noChangeArrowheads="1" noChangeShapeType="1" noTextEdit="1"/>
+          </p:cNvSpPr>
+          <p:nvPr>
+            <p:extLst>
+              <p:ext uri="{386F3935-93C4-4BCD-93E2-E3B085C9AB24}">
+                <p16:designElem xmlns:p16="http://schemas.microsoft.com/office/powerpoint/2015/main" val="1"/>
+              </p:ext>
+            </p:extLst>
+          </p:nvPr>
+        </p:nvSpPr>
+        <p:spPr>
+          <a:xfrm>
+            <a:off x="641604" y="5756954"/>
+            <a:ext cx="10908792" cy="80683"/>
+          </a:xfrm>
+          <a:prstGeom prst="rect">
+            <a:avLst/>
+          </a:prstGeom>
+          <a:blipFill dpi="0" rotWithShape="1">
+            <a:blip r:embed="rId2">
+              <a:alphaModFix amt="85000"/>
+              <a:lum bright="70000" contrast="-70000"/>
+              <a:extLst>
+                <a:ext uri="{BEBA8EAE-BF5A-486C-A8C5-ECC9F3942E4B}">
+                  <a14:imgProps xmlns:a14="http://schemas.microsoft.com/office/drawing/2010/main">
+                    <a14:imgLayer r:embed="rId3">
+                      <a14:imgEffect>
+                        <a14:sharpenSoften amount="61000"/>
+                      </a14:imgEffect>
+                    </a14:imgLayer>
+                  </a14:imgProps>
+                </a:ext>
+                <a:ext uri="{28A0092B-C50C-407E-A947-70E740481C1C}">
+                  <a14:useLocalDpi xmlns:a14="http://schemas.microsoft.com/office/drawing/2010/main" val="0"/>
+                </a:ext>
+              </a:extLst>
+            </a:blip>
+            <a:srcRect/>
+            <a:tile tx="0" ty="-762000" sx="92000" sy="89000" flip="xy" algn="ctr"/>
+          </a:blipFill>
+          <a:ln>
+            <a:noFill/>
+          </a:ln>
+        </p:spPr>
+        <p:style>
+          <a:lnRef idx="2">
+            <a:schemeClr val="accent1">
+              <a:shade val="50000"/>
+            </a:schemeClr>
+          </a:lnRef>
+          <a:fillRef idx="1">
+            <a:schemeClr val="accent1"/>
+          </a:fillRef>
+          <a:effectRef idx="0">
+            <a:schemeClr val="accent1"/>
+          </a:effectRef>
+          <a:fontRef idx="minor">
+            <a:schemeClr val="lt1"/>
+          </a:fontRef>
+        </p:style>
+        <p:txBody>
+          <a:bodyPr rtlCol="0" anchor="ctr"/>
+          <a:lstStyle/>
+          <a:p>
+            <a:pPr algn="ctr"/>
             <a:endParaRPr lang="en-US"/>
           </a:p>
         </p:txBody>
       </p:sp>
+      <p:grpSp>
+        <p:nvGrpSpPr>
+          <p:cNvPr id="55" name="Group 54">
+            <a:extLst>
+              <a:ext uri="{FF2B5EF4-FFF2-40B4-BE49-F238E27FC236}">
+                <a16:creationId xmlns:a16="http://schemas.microsoft.com/office/drawing/2014/main" id="{3800B863-FA71-4FFB-9F30-56E95B0D3DF0}"/>
+              </a:ext>
+              <a:ext uri="{C183D7F6-B498-43B3-948B-1728B52AA6E4}">
+                <adec:decorative xmlns:adec="http://schemas.microsoft.com/office/drawing/2017/decorative" val="1"/>
+              </a:ext>
+            </a:extLst>
+          </p:cNvPr>
+          <p:cNvGrpSpPr>
+            <a:grpSpLocks noGrp="1" noUngrp="1" noRot="1" noChangeAspect="1" noMove="1" noResize="1"/>
+          </p:cNvGrpSpPr>
+          <p:nvPr>
+            <p:extLst>
+              <p:ext uri="{386F3935-93C4-4BCD-93E2-E3B085C9AB24}">
+                <p16:designElem xmlns:p16="http://schemas.microsoft.com/office/powerpoint/2015/main" val="1"/>
+              </p:ext>
+            </p:extLst>
+          </p:nvPr>
+        </p:nvGrpSpPr>
+        <p:grpSpPr>
+          <a:xfrm>
+            <a:off x="9646920" y="5257800"/>
+            <a:ext cx="1080904" cy="1080902"/>
+            <a:chOff x="9685338" y="4460675"/>
+            <a:chExt cx="1080904" cy="1080902"/>
+          </a:xfrm>
+        </p:grpSpPr>
+        <p:sp>
+          <p:nvSpPr>
+            <p:cNvPr id="56" name="Oval 55">
+              <a:extLst>
+                <a:ext uri="{FF2B5EF4-FFF2-40B4-BE49-F238E27FC236}">
+                  <a16:creationId xmlns:a16="http://schemas.microsoft.com/office/drawing/2014/main" id="{F974AC77-F93C-4C47-8BA3-991BBA2EF1C1}"/>
+                </a:ext>
+                <a:ext uri="{C183D7F6-B498-43B3-948B-1728B52AA6E4}">
+                  <adec:decorative xmlns:adec="http://schemas.microsoft.com/office/drawing/2017/decorative" val="1"/>
+                </a:ext>
+              </a:extLst>
+            </p:cNvPr>
+            <p:cNvSpPr/>
+            <p:nvPr>
+              <p:extLst>
+                <p:ext uri="{386F3935-93C4-4BCD-93E2-E3B085C9AB24}">
+                  <p16:designElem xmlns:p16="http://schemas.microsoft.com/office/powerpoint/2015/main" val="1"/>
+                </p:ext>
+              </p:extLst>
+            </p:nvPr>
+          </p:nvSpPr>
+          <p:spPr>
+            <a:xfrm>
+              <a:off x="9685338" y="4460675"/>
+              <a:ext cx="1080904" cy="1080902"/>
+            </a:xfrm>
+            <a:prstGeom prst="ellipse">
+              <a:avLst/>
+            </a:prstGeom>
+            <a:blipFill dpi="0" rotWithShape="1">
+              <a:blip r:embed="rId4">
+                <a:duotone>
+                  <a:schemeClr val="accent1">
+                    <a:shade val="45000"/>
+                    <a:satMod val="135000"/>
+                  </a:schemeClr>
+                  <a:prstClr val="white"/>
+                </a:duotone>
+                <a:extLst/>
+              </a:blip>
+              <a:srcRect/>
+              <a:tile tx="0" ty="0" sx="85000" sy="85000" flip="none" algn="tl"/>
+            </a:blipFill>
+            <a:ln w="25400" cap="flat" cmpd="sng" algn="ctr">
+              <a:noFill/>
+              <a:prstDash val="solid"/>
+            </a:ln>
+            <a:effectLst/>
+          </p:spPr>
+          <p:txBody>
+            <a:bodyPr lIns="0" tIns="0" rIns="0" bIns="0" rtlCol="0" anchor="ctr"/>
+            <a:lstStyle/>
+            <a:p>
+              <a:pPr marL="0" marR="0" lvl="0" indent="0" algn="ctr" defTabSz="914400" eaLnBrk="1" fontAlgn="auto" latinLnBrk="0" hangingPunct="1">
+                <a:lnSpc>
+                  <a:spcPct val="100000"/>
+                </a:lnSpc>
+                <a:spcBef>
+                  <a:spcPts val="0"/>
+                </a:spcBef>
+                <a:spcAft>
+                  <a:spcPts val="0"/>
+                </a:spcAft>
+                <a:buClrTx/>
+                <a:buSzTx/>
+                <a:buFontTx/>
+                <a:buNone/>
+                <a:tabLst/>
+                <a:defRPr/>
+              </a:pPr>
+              <a:endParaRPr kumimoji="0" lang="en-US" sz="2000" b="0" i="0" u="none" strike="noStrike" kern="0" cap="none" spc="0" normalizeH="0" baseline="0" noProof="0" dirty="0">
+                <a:ln>
+                  <a:noFill/>
+                </a:ln>
+                <a:solidFill>
+                  <a:prstClr val="white"/>
+                </a:solidFill>
+                <a:effectLst/>
+                <a:uLnTx/>
+                <a:uFillTx/>
+                <a:latin typeface="Rockwell Extra Bold" pitchFamily="18" charset="0"/>
+                <a:ea typeface="+mn-ea"/>
+                <a:cs typeface="+mn-cs"/>
+              </a:endParaRPr>
+            </a:p>
+          </p:txBody>
+        </p:sp>
+        <p:sp>
+          <p:nvSpPr>
+            <p:cNvPr id="57" name="Oval 56">
+              <a:extLst>
+                <a:ext uri="{FF2B5EF4-FFF2-40B4-BE49-F238E27FC236}">
+                  <a16:creationId xmlns:a16="http://schemas.microsoft.com/office/drawing/2014/main" id="{B170C1A4-4B9C-47A6-981D-0D71C56856E8}"/>
+                </a:ext>
+                <a:ext uri="{C183D7F6-B498-43B3-948B-1728B52AA6E4}">
+                  <adec:decorative xmlns:adec="http://schemas.microsoft.com/office/drawing/2017/decorative" val="1"/>
+                </a:ext>
+              </a:extLst>
+            </p:cNvPr>
+            <p:cNvSpPr/>
+            <p:nvPr>
+              <p:extLst>
+                <p:ext uri="{386F3935-93C4-4BCD-93E2-E3B085C9AB24}">
+                  <p16:designElem xmlns:p16="http://schemas.microsoft.com/office/powerpoint/2015/main" val="1"/>
+                </p:ext>
+              </p:extLst>
+            </p:nvPr>
+          </p:nvSpPr>
+          <p:spPr>
+            <a:xfrm>
+              <a:off x="9793429" y="4568765"/>
+              <a:ext cx="864723" cy="864722"/>
+            </a:xfrm>
+            <a:prstGeom prst="ellipse">
+              <a:avLst/>
+            </a:prstGeom>
+            <a:noFill/>
+            <a:ln w="25400" cap="flat" cmpd="sng" algn="ctr">
+              <a:solidFill>
+                <a:sysClr val="window" lastClr="FFFFFF"/>
+              </a:solidFill>
+              <a:prstDash val="solid"/>
+            </a:ln>
+            <a:effectLst/>
+          </p:spPr>
+          <p:txBody>
+            <a:bodyPr rtlCol="0" anchor="ctr"/>
+            <a:lstStyle/>
+            <a:p>
+              <a:pPr marL="0" marR="0" lvl="0" indent="0" algn="ctr" defTabSz="914400" eaLnBrk="1" fontAlgn="auto" latinLnBrk="0" hangingPunct="1">
+                <a:lnSpc>
+                  <a:spcPct val="100000"/>
+                </a:lnSpc>
+                <a:spcBef>
+                  <a:spcPts val="0"/>
+                </a:spcBef>
+                <a:spcAft>
+                  <a:spcPts val="0"/>
+                </a:spcAft>
+                <a:buClrTx/>
+                <a:buSzTx/>
+                <a:buFontTx/>
+                <a:buNone/>
+                <a:tabLst/>
+                <a:defRPr/>
+              </a:pPr>
+              <a:endParaRPr kumimoji="0" lang="en-US" sz="1800" b="0" i="0" u="none" strike="noStrike" kern="0" cap="none" spc="0" normalizeH="0" baseline="0" noProof="0" dirty="0">
+                <a:ln>
+                  <a:noFill/>
+                </a:ln>
+                <a:solidFill>
+                  <a:prstClr val="white"/>
+                </a:solidFill>
+                <a:effectLst/>
+                <a:uLnTx/>
+                <a:uFillTx/>
+                <a:latin typeface="Calibri"/>
+                <a:ea typeface="+mn-ea"/>
+                <a:cs typeface="+mn-cs"/>
+              </a:endParaRPr>
+            </a:p>
+          </p:txBody>
+        </p:sp>
+      </p:grpSp>
     </p:spTree>
     <p:extLst>
       <p:ext uri="{BB962C8B-B14F-4D97-AF65-F5344CB8AC3E}">
@@ -6448,7 +7044,7 @@
 </p:sld>
 </file>
 
-<file path=ppt/slides/slide8.xml><?xml version="1.0" encoding="utf-8"?>
+<file path=ppt/slides/slide9.xml><?xml version="1.0" encoding="utf-8"?>
 <p:sld xmlns:a="http://schemas.openxmlformats.org/drawingml/2006/main" xmlns:r="http://schemas.openxmlformats.org/officeDocument/2006/relationships" xmlns:p="http://schemas.openxmlformats.org/presentationml/2006/main">
   <p:cSld>
     <p:spTree>
@@ -6500,12 +7096,54 @@
         <p:spPr/>
         <p:txBody>
           <a:bodyPr>
-            <a:normAutofit/>
+            <a:normAutofit lnSpcReduction="10000"/>
           </a:bodyPr>
           <a:lstStyle/>
           <a:p>
             <a:r>
               <a:rPr lang="en-US" dirty="0"/>
+              <a:t>&lt; https://getbootstrap.com/&gt;</a:t>
+            </a:r>
+          </a:p>
+          <a:p>
+            <a:r>
+              <a:rPr lang="en-US" dirty="0"/>
+              <a:t>&lt; https://www.wku.edu/its/websites/&gt;</a:t>
+            </a:r>
+          </a:p>
+          <a:p>
+            <a:r>
+              <a:rPr lang="en-US" dirty="0"/>
+              <a:t>&lt; https://filezilla-project.org/&gt; </a:t>
+            </a:r>
+          </a:p>
+          <a:p>
+            <a:r>
+              <a:rPr lang="en-US" dirty="0"/>
+              <a:t>&lt;https://www.sublimetext.com/&gt;</a:t>
+            </a:r>
+          </a:p>
+          <a:p>
+            <a:r>
+              <a:rPr lang="en-US" dirty="0"/>
+              <a:t>&lt;https://www.w3schools.com/jquery/&gt;</a:t>
+            </a:r>
+          </a:p>
+          <a:p>
+            <a:r>
+              <a:rPr lang="en-US" dirty="0"/>
+              <a:t>&lt;https://www.kisspng.com/free/jquery.html&gt;</a:t>
+            </a:r>
+          </a:p>
+          <a:p>
+            <a:r>
+              <a:rPr lang="en-US" dirty="0"/>
+              <a:t>&lt;https://medium.com/the-mission/what-is-the-algorithm-for-success-8d820ce167b0&gt;</a:t>
+            </a:r>
+          </a:p>
+          <a:p>
+            <a:r>
+              <a:rPr lang="en-US" dirty="0"/>
               <a:t>&lt;https://imgflip.com/memegenerator/Roll-Safe-Think-About-It&gt;</a:t>
             </a:r>
           </a:p>
@@ -6514,24 +7152,6 @@
               <a:rPr lang="en-US" dirty="0"/>
               <a:t>&lt;https://www.iconsdb.com/green-icons/checkmark-icon.html&gt;</a:t>
             </a:r>
-          </a:p>
-          <a:p>
-            <a:r>
-              <a:rPr lang="en-US" dirty="0"/>
-              <a:t>&lt;https://melbournechapter.net/explore/pirate-cannon-clipart/#gal_post_423_pirate-cannon-clipart-5.png&gt;</a:t>
-            </a:r>
-          </a:p>
-          <a:p>
-            <a:r>
-              <a:rPr lang="en-US" dirty="0"/>
-              <a:t>&lt;https://fallout.gamepedia.com/Cannonball&gt;</a:t>
-            </a:r>
-          </a:p>
-          <a:p>
-            <a:endParaRPr lang="en-US" dirty="0"/>
-          </a:p>
-          <a:p>
-            <a:endParaRPr lang="en-US" dirty="0"/>
           </a:p>
         </p:txBody>
       </p:sp>

--- a/Animation.pptx
+++ b/Animation.pptx
@@ -124,11 +124,56 @@
 <pc:chgInfo xmlns:a="http://schemas.openxmlformats.org/drawingml/2006/main" xmlns:r="http://schemas.openxmlformats.org/officeDocument/2006/relationships" xmlns:ac="http://schemas.microsoft.com/office/drawing/2013/main/command" xmlns:pc="http://schemas.microsoft.com/office/powerpoint/2013/main/command">
   <pc:docChgLst>
     <pc:chgData name="Peter Harlan" userId="a82bf2d862d389cf" providerId="LiveId" clId="{35C92917-97AC-4D44-9F34-07120765A783}"/>
-    <pc:docChg chg="modSld">
-      <pc:chgData name="Peter Harlan" userId="a82bf2d862d389cf" providerId="LiveId" clId="{35C92917-97AC-4D44-9F34-07120765A783}" dt="2018-11-26T08:18:35.348" v="1" actId="20577"/>
+    <pc:docChg chg="custSel addSld delSld modSld">
+      <pc:chgData name="Peter Harlan" userId="a82bf2d862d389cf" providerId="LiveId" clId="{35C92917-97AC-4D44-9F34-07120765A783}" dt="2018-11-28T16:54:54.011" v="76" actId="14100"/>
       <pc:docMkLst>
         <pc:docMk/>
       </pc:docMkLst>
+      <pc:sldChg chg="modSp">
+        <pc:chgData name="Peter Harlan" userId="a82bf2d862d389cf" providerId="LiveId" clId="{35C92917-97AC-4D44-9F34-07120765A783}" dt="2018-11-28T16:51:49.613" v="47" actId="20577"/>
+        <pc:sldMkLst>
+          <pc:docMk/>
+          <pc:sldMk cId="1870346245" sldId="257"/>
+        </pc:sldMkLst>
+        <pc:spChg chg="mod">
+          <ac:chgData name="Peter Harlan" userId="a82bf2d862d389cf" providerId="LiveId" clId="{35C92917-97AC-4D44-9F34-07120765A783}" dt="2018-11-28T16:51:49.613" v="47" actId="20577"/>
+          <ac:spMkLst>
+            <pc:docMk/>
+            <pc:sldMk cId="1870346245" sldId="257"/>
+            <ac:spMk id="3" creationId="{00000000-0000-0000-0000-000000000000}"/>
+          </ac:spMkLst>
+        </pc:spChg>
+      </pc:sldChg>
+      <pc:sldChg chg="modSp">
+        <pc:chgData name="Peter Harlan" userId="a82bf2d862d389cf" providerId="LiveId" clId="{35C92917-97AC-4D44-9F34-07120765A783}" dt="2018-11-28T16:54:17.315" v="74" actId="20577"/>
+        <pc:sldMkLst>
+          <pc:docMk/>
+          <pc:sldMk cId="3542075758" sldId="260"/>
+        </pc:sldMkLst>
+        <pc:spChg chg="mod">
+          <ac:chgData name="Peter Harlan" userId="a82bf2d862d389cf" providerId="LiveId" clId="{35C92917-97AC-4D44-9F34-07120765A783}" dt="2018-11-28T16:54:17.315" v="74" actId="20577"/>
+          <ac:spMkLst>
+            <pc:docMk/>
+            <pc:sldMk cId="3542075758" sldId="260"/>
+            <ac:spMk id="3" creationId="{00000000-0000-0000-0000-000000000000}"/>
+          </ac:spMkLst>
+        </pc:spChg>
+      </pc:sldChg>
+      <pc:sldChg chg="modSp">
+        <pc:chgData name="Peter Harlan" userId="a82bf2d862d389cf" providerId="LiveId" clId="{35C92917-97AC-4D44-9F34-07120765A783}" dt="2018-11-28T16:54:54.011" v="76" actId="14100"/>
+        <pc:sldMkLst>
+          <pc:docMk/>
+          <pc:sldMk cId="2529872606" sldId="261"/>
+        </pc:sldMkLst>
+        <pc:spChg chg="mod">
+          <ac:chgData name="Peter Harlan" userId="a82bf2d862d389cf" providerId="LiveId" clId="{35C92917-97AC-4D44-9F34-07120765A783}" dt="2018-11-28T16:54:54.011" v="76" actId="14100"/>
+          <ac:spMkLst>
+            <pc:docMk/>
+            <pc:sldMk cId="2529872606" sldId="261"/>
+            <ac:spMk id="3" creationId="{00000000-0000-0000-0000-000000000000}"/>
+          </ac:spMkLst>
+        </pc:spChg>
+      </pc:sldChg>
       <pc:sldChg chg="modSp">
         <pc:chgData name="Peter Harlan" userId="a82bf2d862d389cf" providerId="LiveId" clId="{35C92917-97AC-4D44-9F34-07120765A783}" dt="2018-11-26T08:18:35.348" v="1" actId="20577"/>
         <pc:sldMkLst>
@@ -143,6 +188,68 @@
             <ac:spMk id="3" creationId="{00000000-0000-0000-0000-000000000000}"/>
           </ac:spMkLst>
         </pc:spChg>
+      </pc:sldChg>
+      <pc:sldChg chg="modSp">
+        <pc:chgData name="Peter Harlan" userId="a82bf2d862d389cf" providerId="LiveId" clId="{35C92917-97AC-4D44-9F34-07120765A783}" dt="2018-11-28T16:53:27.369" v="68" actId="20577"/>
+        <pc:sldMkLst>
+          <pc:docMk/>
+          <pc:sldMk cId="3977685230" sldId="267"/>
+        </pc:sldMkLst>
+        <pc:spChg chg="mod">
+          <ac:chgData name="Peter Harlan" userId="a82bf2d862d389cf" providerId="LiveId" clId="{35C92917-97AC-4D44-9F34-07120765A783}" dt="2018-11-28T16:53:27.369" v="68" actId="20577"/>
+          <ac:spMkLst>
+            <pc:docMk/>
+            <pc:sldMk cId="3977685230" sldId="267"/>
+            <ac:spMk id="3" creationId="{00000000-0000-0000-0000-000000000000}"/>
+          </ac:spMkLst>
+        </pc:spChg>
+        <pc:picChg chg="mod">
+          <ac:chgData name="Peter Harlan" userId="a82bf2d862d389cf" providerId="LiveId" clId="{35C92917-97AC-4D44-9F34-07120765A783}" dt="2018-11-28T16:51:57.824" v="49" actId="1076"/>
+          <ac:picMkLst>
+            <pc:docMk/>
+            <pc:sldMk cId="3977685230" sldId="267"/>
+            <ac:picMk id="5" creationId="{8B323C61-07CB-4396-90C0-EA0DEBA454B0}"/>
+          </ac:picMkLst>
+        </pc:picChg>
+      </pc:sldChg>
+      <pc:sldChg chg="delSp modSp add del">
+        <pc:chgData name="Peter Harlan" userId="a82bf2d862d389cf" providerId="LiveId" clId="{35C92917-97AC-4D44-9F34-07120765A783}" dt="2018-11-28T16:51:44.103" v="46" actId="2696"/>
+        <pc:sldMkLst>
+          <pc:docMk/>
+          <pc:sldMk cId="1818009958" sldId="269"/>
+        </pc:sldMkLst>
+        <pc:spChg chg="mod">
+          <ac:chgData name="Peter Harlan" userId="a82bf2d862d389cf" providerId="LiveId" clId="{35C92917-97AC-4D44-9F34-07120765A783}" dt="2018-11-28T16:50:30.212" v="42" actId="313"/>
+          <ac:spMkLst>
+            <pc:docMk/>
+            <pc:sldMk cId="1818009958" sldId="269"/>
+            <ac:spMk id="2" creationId="{00000000-0000-0000-0000-000000000000}"/>
+          </ac:spMkLst>
+        </pc:spChg>
+        <pc:spChg chg="mod">
+          <ac:chgData name="Peter Harlan" userId="a82bf2d862d389cf" providerId="LiveId" clId="{35C92917-97AC-4D44-9F34-07120765A783}" dt="2018-11-28T16:50:38.016" v="45" actId="14100"/>
+          <ac:spMkLst>
+            <pc:docMk/>
+            <pc:sldMk cId="1818009958" sldId="269"/>
+            <ac:spMk id="3" creationId="{00000000-0000-0000-0000-000000000000}"/>
+          </ac:spMkLst>
+        </pc:spChg>
+        <pc:picChg chg="del">
+          <ac:chgData name="Peter Harlan" userId="a82bf2d862d389cf" providerId="LiveId" clId="{35C92917-97AC-4D44-9F34-07120765A783}" dt="2018-11-28T16:50:31.517" v="43" actId="478"/>
+          <ac:picMkLst>
+            <pc:docMk/>
+            <pc:sldMk cId="1818009958" sldId="269"/>
+            <ac:picMk id="4" creationId="{00000000-0000-0000-0000-000000000000}"/>
+          </ac:picMkLst>
+        </pc:picChg>
+        <pc:picChg chg="del">
+          <ac:chgData name="Peter Harlan" userId="a82bf2d862d389cf" providerId="LiveId" clId="{35C92917-97AC-4D44-9F34-07120765A783}" dt="2018-11-28T16:50:32.634" v="44" actId="478"/>
+          <ac:picMkLst>
+            <pc:docMk/>
+            <pc:sldMk cId="1818009958" sldId="269"/>
+            <ac:picMk id="6" creationId="{00000000-0000-0000-0000-000000000000}"/>
+          </ac:picMkLst>
+        </pc:picChg>
       </pc:sldChg>
     </pc:docChg>
   </pc:docChgLst>
@@ -190,13 +297,6 @@
             <ac:spMk id="3" creationId="{00000000-0000-0000-0000-000000000000}"/>
           </ac:spMkLst>
         </pc:spChg>
-      </pc:sldChg>
-      <pc:sldChg chg="del">
-        <pc:chgData name="Peter Harlan" userId="a82bf2d862d389cf" providerId="LiveId" clId="{355D77A7-22E5-44D9-8886-432C5873043D}" dt="2018-11-26T07:55:40.642" v="628" actId="2696"/>
-        <pc:sldMkLst>
-          <pc:docMk/>
-          <pc:sldMk cId="216668191" sldId="259"/>
-        </pc:sldMkLst>
       </pc:sldChg>
       <pc:sldChg chg="modSp">
         <pc:chgData name="Peter Harlan" userId="a82bf2d862d389cf" providerId="LiveId" clId="{355D77A7-22E5-44D9-8886-432C5873043D}" dt="2018-11-26T08:17:44.589" v="1686" actId="20577"/>
@@ -544,13 +644,6 @@
           </ac:spMkLst>
         </pc:spChg>
       </pc:sldChg>
-      <pc:sldChg chg="del">
-        <pc:chgData name="Peter Harlan" userId="a82bf2d862d389cf" providerId="LiveId" clId="{355D77A7-22E5-44D9-8886-432C5873043D}" dt="2018-11-26T07:55:37.001" v="627" actId="2696"/>
-        <pc:sldMkLst>
-          <pc:docMk/>
-          <pc:sldMk cId="3877335169" sldId="268"/>
-        </pc:sldMkLst>
-      </pc:sldChg>
     </pc:docChg>
   </pc:docChgLst>
 </pc:chgInfo>
@@ -959,7 +1052,7 @@
           <a:p>
             <a:fld id="{83284890-85D2-4D7B-8EF5-15A9C1DB8F42}" type="datetimeFigureOut">
               <a:rPr lang="en-US" dirty="0"/>
-              <a:t>11/26/2018</a:t>
+              <a:t>11/28/2018</a:t>
             </a:fld>
             <a:endParaRPr lang="en-US" dirty="0"/>
           </a:p>
@@ -1134,7 +1227,7 @@
           <a:p>
             <a:fld id="{87157CC2-0FC8-4686-B024-99790E0F5162}" type="datetimeFigureOut">
               <a:rPr lang="en-US" dirty="0"/>
-              <a:t>11/26/2018</a:t>
+              <a:t>11/28/2018</a:t>
             </a:fld>
             <a:endParaRPr lang="en-US" dirty="0"/>
           </a:p>
@@ -1309,7 +1402,7 @@
           <a:p>
             <a:fld id="{F6764DA5-CD3D-4590-A511-FCD3BC7A793E}" type="datetimeFigureOut">
               <a:rPr lang="en-US" dirty="0"/>
-              <a:t>11/26/2018</a:t>
+              <a:t>11/28/2018</a:t>
             </a:fld>
             <a:endParaRPr lang="en-US" dirty="0"/>
           </a:p>
@@ -1474,7 +1567,7 @@
           <a:p>
             <a:fld id="{82F5661D-6934-4B32-B92C-470368BF1EC6}" type="datetimeFigureOut">
               <a:rPr lang="en-US" dirty="0"/>
-              <a:t>11/26/2018</a:t>
+              <a:t>11/28/2018</a:t>
             </a:fld>
             <a:endParaRPr lang="en-US" dirty="0"/>
           </a:p>
@@ -1782,7 +1875,7 @@
           <a:p>
             <a:fld id="{C6F822A4-8DA6-4447-9B1F-C5DB58435268}" type="datetimeFigureOut">
               <a:rPr lang="en-US" dirty="0"/>
-              <a:t>11/26/2018</a:t>
+              <a:t>11/28/2018</a:t>
             </a:fld>
             <a:endParaRPr lang="en-US" dirty="0"/>
           </a:p>
@@ -2164,7 +2257,7 @@
           <a:p>
             <a:fld id="{E548D31E-DCDA-41A7-9C67-C4B11B94D21D}" type="datetimeFigureOut">
               <a:rPr lang="en-US" dirty="0"/>
-              <a:t>11/26/2018</a:t>
+              <a:t>11/28/2018</a:t>
             </a:fld>
             <a:endParaRPr lang="en-US" dirty="0"/>
           </a:p>
@@ -2593,7 +2686,7 @@
           <a:p>
             <a:fld id="{9B3762C0-B258-48F1-ADE6-176B4174CCDD}" type="datetimeFigureOut">
               <a:rPr lang="en-US" dirty="0"/>
-              <a:t>11/26/2018</a:t>
+              <a:t>11/28/2018</a:t>
             </a:fld>
             <a:endParaRPr lang="en-US" dirty="0"/>
           </a:p>
@@ -2706,7 +2799,7 @@
           <a:p>
             <a:fld id="{677919A6-33EB-49BD-A62F-1FA56B9F9712}" type="datetimeFigureOut">
               <a:rPr lang="en-US" dirty="0"/>
-              <a:t>11/26/2018</a:t>
+              <a:t>11/28/2018</a:t>
             </a:fld>
             <a:endParaRPr lang="en-US" dirty="0"/>
           </a:p>
@@ -2796,7 +2889,7 @@
           <a:p>
             <a:fld id="{CA4E7D1B-D673-4CF6-8672-009D42ABD2A0}" type="datetimeFigureOut">
               <a:rPr lang="en-US" dirty="0"/>
-              <a:t>11/26/2018</a:t>
+              <a:t>11/28/2018</a:t>
             </a:fld>
             <a:endParaRPr lang="en-US" dirty="0"/>
           </a:p>
@@ -3141,7 +3234,7 @@
           <a:p>
             <a:fld id="{DA16AA21-1863-4931-97CB-99D0A168701B}" type="datetimeFigureOut">
               <a:rPr lang="en-US" dirty="0"/>
-              <a:t>11/26/2018</a:t>
+              <a:t>11/28/2018</a:t>
             </a:fld>
             <a:endParaRPr lang="en-US" dirty="0"/>
           </a:p>
@@ -3561,7 +3654,7 @@
           <a:p>
             <a:fld id="{3772C379-9A7C-4C87-A116-CBE9F58B04C5}" type="datetimeFigureOut">
               <a:rPr lang="en-US" dirty="0"/>
-              <a:t>11/26/2018</a:t>
+              <a:t>11/28/2018</a:t>
             </a:fld>
             <a:endParaRPr lang="en-US" dirty="0"/>
           </a:p>
@@ -3837,7 +3930,7 @@
           <a:p>
             <a:fld id="{8664C608-40B1-4030-A28D-5B74BC98ADCE}" type="datetimeFigureOut">
               <a:rPr lang="en-US" dirty="0"/>
-              <a:t>11/26/2018</a:t>
+              <a:t>11/28/2018</a:t>
             </a:fld>
             <a:endParaRPr lang="en-US" dirty="0"/>
           </a:p>
@@ -4950,7 +5043,7 @@
           <a:p>
             <a:r>
               <a:rPr lang="en-US" sz="2400" dirty="0"/>
-              <a:t>Components object for each of the element (holds x, y, x1, y1, image, etc.)</a:t>
+              <a:t>Components object for each of the element (holds width, height, x, y, image, etc.)</a:t>
             </a:r>
           </a:p>
           <a:p>
@@ -4993,7 +5086,7 @@
         </p:blipFill>
         <p:spPr>
           <a:xfrm>
-            <a:off x="7492181" y="1598858"/>
+            <a:off x="7575307" y="2093976"/>
             <a:ext cx="4050792" cy="4050792"/>
           </a:xfrm>
           <a:prstGeom prst="rect">
@@ -5297,7 +5390,7 @@
             <a:pPr lvl="1"/>
             <a:r>
               <a:rPr lang="en-US" sz="2400" dirty="0"/>
-              <a:t>Align test class</a:t>
+              <a:t>Align text class</a:t>
             </a:r>
           </a:p>
           <a:p>
@@ -5611,8 +5704,8 @@
         </p:nvSpPr>
         <p:spPr>
           <a:xfrm>
-            <a:off x="8156351" y="2121408"/>
-            <a:ext cx="3544034" cy="4050792"/>
+            <a:off x="7836310" y="2121408"/>
+            <a:ext cx="4355689" cy="4050792"/>
           </a:xfrm>
         </p:spPr>
         <p:txBody>

--- a/Animation.pptx
+++ b/Animation.pptx
@@ -125,7 +125,7 @@
   <pc:docChgLst>
     <pc:chgData name="Peter Harlan" userId="a82bf2d862d389cf" providerId="LiveId" clId="{35C92917-97AC-4D44-9F34-07120765A783}"/>
     <pc:docChg chg="custSel addSld delSld modSld">
-      <pc:chgData name="Peter Harlan" userId="a82bf2d862d389cf" providerId="LiveId" clId="{35C92917-97AC-4D44-9F34-07120765A783}" dt="2018-11-28T16:54:54.011" v="76" actId="14100"/>
+      <pc:chgData name="Peter Harlan" userId="a82bf2d862d389cf" providerId="LiveId" clId="{35C92917-97AC-4D44-9F34-07120765A783}" dt="2018-11-28T17:04:52.244" v="89" actId="1076"/>
       <pc:docMkLst>
         <pc:docMk/>
       </pc:docMkLst>
@@ -159,8 +159,8 @@
           </ac:spMkLst>
         </pc:spChg>
       </pc:sldChg>
-      <pc:sldChg chg="modSp">
-        <pc:chgData name="Peter Harlan" userId="a82bf2d862d389cf" providerId="LiveId" clId="{35C92917-97AC-4D44-9F34-07120765A783}" dt="2018-11-28T16:54:54.011" v="76" actId="14100"/>
+      <pc:sldChg chg="addSp delSp modSp">
+        <pc:chgData name="Peter Harlan" userId="a82bf2d862d389cf" providerId="LiveId" clId="{35C92917-97AC-4D44-9F34-07120765A783}" dt="2018-11-28T17:04:52.244" v="89" actId="1076"/>
         <pc:sldMkLst>
           <pc:docMk/>
           <pc:sldMk cId="2529872606" sldId="261"/>
@@ -173,6 +173,22 @@
             <ac:spMk id="3" creationId="{00000000-0000-0000-0000-000000000000}"/>
           </ac:spMkLst>
         </pc:spChg>
+        <pc:picChg chg="add mod modCrop">
+          <ac:chgData name="Peter Harlan" userId="a82bf2d862d389cf" providerId="LiveId" clId="{35C92917-97AC-4D44-9F34-07120765A783}" dt="2018-11-28T17:04:52.244" v="89" actId="1076"/>
+          <ac:picMkLst>
+            <pc:docMk/>
+            <pc:sldMk cId="2529872606" sldId="261"/>
+            <ac:picMk id="5" creationId="{0F897DCE-F867-463C-A337-DF7ECEDAB4A0}"/>
+          </ac:picMkLst>
+        </pc:picChg>
+        <pc:picChg chg="del">
+          <ac:chgData name="Peter Harlan" userId="a82bf2d862d389cf" providerId="LiveId" clId="{35C92917-97AC-4D44-9F34-07120765A783}" dt="2018-11-28T17:04:11.278" v="77" actId="478"/>
+          <ac:picMkLst>
+            <pc:docMk/>
+            <pc:sldMk cId="2529872606" sldId="261"/>
+            <ac:picMk id="6" creationId="{21A21C08-9E5E-4BB2-8516-BB1F0DE6FFA2}"/>
+          </ac:picMkLst>
+        </pc:picChg>
       </pc:sldChg>
       <pc:sldChg chg="modSp">
         <pc:chgData name="Peter Harlan" userId="a82bf2d862d389cf" providerId="LiveId" clId="{35C92917-97AC-4D44-9F34-07120765A783}" dt="2018-11-26T08:18:35.348" v="1" actId="20577"/>
@@ -5663,35 +5679,6 @@
           </a:p>
         </p:txBody>
       </p:sp>
-      <p:pic>
-        <p:nvPicPr>
-          <p:cNvPr id="6" name="Picture 5" descr="A picture containing text, building, person&#10;&#10;Description generated with high confidence">
-            <a:extLst>
-              <a:ext uri="{FF2B5EF4-FFF2-40B4-BE49-F238E27FC236}">
-                <a16:creationId xmlns:a16="http://schemas.microsoft.com/office/drawing/2014/main" id="{21A21C08-9E5E-4BB2-8516-BB1F0DE6FFA2}"/>
-              </a:ext>
-            </a:extLst>
-          </p:cNvPr>
-          <p:cNvPicPr>
-            <a:picLocks noChangeAspect="1"/>
-          </p:cNvPicPr>
-          <p:nvPr/>
-        </p:nvPicPr>
-        <p:blipFill rotWithShape="1">
-          <a:blip r:embed="rId4"/>
-          <a:srcRect r="39225" b="9678"/>
-          <a:stretch/>
-        </p:blipFill>
-        <p:spPr>
-          <a:xfrm>
-            <a:off x="732851" y="640080"/>
-            <a:ext cx="6684564" cy="5588101"/>
-          </a:xfrm>
-          <a:prstGeom prst="rect">
-            <a:avLst/>
-          </a:prstGeom>
-        </p:spPr>
-      </p:pic>
       <p:sp>
         <p:nvSpPr>
           <p:cNvPr id="3" name="Content Placeholder 2"/>
@@ -5798,7 +5785,7 @@
               <a:avLst/>
             </a:prstGeom>
             <a:blipFill dpi="0" rotWithShape="1">
-              <a:blip r:embed="rId5">
+              <a:blip r:embed="rId4">
                 <a:duotone>
                   <a:schemeClr val="accent1">
                     <a:shade val="45000"/>
@@ -5932,6 +5919,35 @@
           </p:txBody>
         </p:sp>
       </p:grpSp>
+      <p:pic>
+        <p:nvPicPr>
+          <p:cNvPr id="5" name="Picture 4" descr="A picture containing text, newspaper, building, man&#10;&#10;Description generated with high confidence">
+            <a:extLst>
+              <a:ext uri="{FF2B5EF4-FFF2-40B4-BE49-F238E27FC236}">
+                <a16:creationId xmlns:a16="http://schemas.microsoft.com/office/drawing/2014/main" id="{0F897DCE-F867-463C-A337-DF7ECEDAB4A0}"/>
+              </a:ext>
+            </a:extLst>
+          </p:cNvPr>
+          <p:cNvPicPr>
+            <a:picLocks noChangeAspect="1"/>
+          </p:cNvPicPr>
+          <p:nvPr/>
+        </p:nvPicPr>
+        <p:blipFill rotWithShape="1">
+          <a:blip r:embed="rId5"/>
+          <a:srcRect l="511" t="347" r="32164" b="6121"/>
+          <a:stretch/>
+        </p:blipFill>
+        <p:spPr>
+          <a:xfrm>
+            <a:off x="362269" y="675215"/>
+            <a:ext cx="7142802" cy="5583659"/>
+          </a:xfrm>
+          <a:prstGeom prst="rect">
+            <a:avLst/>
+          </a:prstGeom>
+        </p:spPr>
+      </p:pic>
     </p:spTree>
     <p:extLst>
       <p:ext uri="{BB962C8B-B14F-4D97-AF65-F5344CB8AC3E}">
